--- a/User_Instructions.pptx
+++ b/User_Instructions.pptx
@@ -5,47 +5,28 @@
     <p:sldMasterId id="2147483659" r:id="rId1"/>
   </p:sldMasterIdLst>
   <p:notesMasterIdLst>
-    <p:notesMasterId r:id="rId23"/>
+    <p:notesMasterId r:id="rId4"/>
   </p:notesMasterIdLst>
   <p:sldIdLst>
     <p:sldId id="256" r:id="rId2"/>
     <p:sldId id="257" r:id="rId3"/>
-    <p:sldId id="258" r:id="rId4"/>
-    <p:sldId id="259" r:id="rId5"/>
-    <p:sldId id="260" r:id="rId6"/>
-    <p:sldId id="261" r:id="rId7"/>
-    <p:sldId id="262" r:id="rId8"/>
-    <p:sldId id="263" r:id="rId9"/>
-    <p:sldId id="264" r:id="rId10"/>
-    <p:sldId id="265" r:id="rId11"/>
-    <p:sldId id="266" r:id="rId12"/>
-    <p:sldId id="267" r:id="rId13"/>
-    <p:sldId id="268" r:id="rId14"/>
-    <p:sldId id="269" r:id="rId15"/>
-    <p:sldId id="270" r:id="rId16"/>
-    <p:sldId id="271" r:id="rId17"/>
-    <p:sldId id="272" r:id="rId18"/>
-    <p:sldId id="273" r:id="rId19"/>
-    <p:sldId id="274" r:id="rId20"/>
-    <p:sldId id="275" r:id="rId21"/>
-    <p:sldId id="276" r:id="rId22"/>
   </p:sldIdLst>
   <p:sldSz cx="9144000" cy="5143500" type="screen16x9"/>
   <p:notesSz cx="6858000" cy="9144000"/>
   <p:embeddedFontLst>
     <p:embeddedFont>
       <p:font typeface="Lato" panose="020B0604020202020204" charset="0"/>
-      <p:regular r:id="rId24"/>
-      <p:bold r:id="rId25"/>
-      <p:italic r:id="rId26"/>
-      <p:boldItalic r:id="rId27"/>
+      <p:regular r:id="rId5"/>
+      <p:bold r:id="rId6"/>
+      <p:italic r:id="rId7"/>
+      <p:boldItalic r:id="rId8"/>
     </p:embeddedFont>
     <p:embeddedFont>
       <p:font typeface="Raleway" panose="020B0604020202020204" charset="0"/>
-      <p:regular r:id="rId28"/>
-      <p:bold r:id="rId29"/>
-      <p:italic r:id="rId30"/>
-      <p:boldItalic r:id="rId31"/>
+      <p:regular r:id="rId9"/>
+      <p:bold r:id="rId10"/>
+      <p:italic r:id="rId11"/>
+      <p:boldItalic r:id="rId12"/>
     </p:embeddedFont>
   </p:embeddedFontLst>
   <p:defaultTextStyle>
@@ -766,8 +747,8 @@
         </p:nvSpPr>
         <p:spPr>
           <a:xfrm>
-            <a:off x="381300" y="685800"/>
-            <a:ext cx="6096075" cy="3429000"/>
+            <a:off x="381000" y="685800"/>
+            <a:ext cx="6096000" cy="3429000"/>
           </a:xfrm>
           <a:custGeom>
             <a:avLst/>
@@ -841,1108 +822,6 @@
 </p:notes>
 </file>
 
-<file path=ppt/notesSlides/notesSlide10.xml><?xml version="1.0" encoding="utf-8"?>
-<p:notes xmlns:a="http://schemas.openxmlformats.org/drawingml/2006/main" xmlns:r="http://schemas.openxmlformats.org/officeDocument/2006/relationships" xmlns:p="http://schemas.openxmlformats.org/presentationml/2006/main" showMasterSp="0" showMasterPhAnim="0">
-  <p:cSld>
-    <p:spTree>
-      <p:nvGrpSpPr>
-        <p:cNvPr id="1" name="Shape 140"/>
-        <p:cNvGrpSpPr/>
-        <p:nvPr/>
-      </p:nvGrpSpPr>
-      <p:grpSpPr>
-        <a:xfrm>
-          <a:off x="0" y="0"/>
-          <a:ext cx="0" cy="0"/>
-          <a:chOff x="0" y="0"/>
-          <a:chExt cx="0" cy="0"/>
-        </a:xfrm>
-      </p:grpSpPr>
-      <p:sp>
-        <p:nvSpPr>
-          <p:cNvPr id="141" name="Google Shape;141;g52e95a0498_0_0:notes"/>
-          <p:cNvSpPr>
-            <a:spLocks noGrp="1" noRot="1" noChangeAspect="1"/>
-          </p:cNvSpPr>
-          <p:nvPr>
-            <p:ph type="sldImg" idx="2"/>
-          </p:nvPr>
-        </p:nvSpPr>
-        <p:spPr>
-          <a:xfrm>
-            <a:off x="381300" y="685800"/>
-            <a:ext cx="6096000" cy="3429000"/>
-          </a:xfrm>
-          <a:custGeom>
-            <a:avLst/>
-            <a:gdLst/>
-            <a:ahLst/>
-            <a:cxnLst/>
-            <a:rect l="l" t="t" r="r" b="b"/>
-            <a:pathLst>
-              <a:path w="120000" h="120000" extrusionOk="0">
-                <a:moveTo>
-                  <a:pt x="0" y="0"/>
-                </a:moveTo>
-                <a:lnTo>
-                  <a:pt x="120000" y="0"/>
-                </a:lnTo>
-                <a:lnTo>
-                  <a:pt x="120000" y="120000"/>
-                </a:lnTo>
-                <a:lnTo>
-                  <a:pt x="0" y="120000"/>
-                </a:lnTo>
-                <a:close/>
-              </a:path>
-            </a:pathLst>
-          </a:custGeom>
-        </p:spPr>
-      </p:sp>
-      <p:sp>
-        <p:nvSpPr>
-          <p:cNvPr id="142" name="Google Shape;142;g52e95a0498_0_0:notes"/>
-          <p:cNvSpPr txBox="1">
-            <a:spLocks noGrp="1"/>
-          </p:cNvSpPr>
-          <p:nvPr>
-            <p:ph type="body" idx="1"/>
-          </p:nvPr>
-        </p:nvSpPr>
-        <p:spPr>
-          <a:xfrm>
-            <a:off x="685800" y="4343400"/>
-            <a:ext cx="5486400" cy="4114800"/>
-          </a:xfrm>
-          <a:prstGeom prst="rect">
-            <a:avLst/>
-          </a:prstGeom>
-        </p:spPr>
-        <p:txBody>
-          <a:bodyPr spcFirstLastPara="1" wrap="square" lIns="91425" tIns="91425" rIns="91425" bIns="91425" anchor="t" anchorCtr="0">
-            <a:noAutofit/>
-          </a:bodyPr>
-          <a:lstStyle/>
-          <a:p>
-            <a:pPr marL="457200" lvl="0" indent="-298450" algn="l" rtl="0">
-              <a:spcBef>
-                <a:spcPts val="0"/>
-              </a:spcBef>
-              <a:spcAft>
-                <a:spcPts val="0"/>
-              </a:spcAft>
-              <a:buSzPts val="1100"/>
-              <a:buChar char="●"/>
-            </a:pPr>
-            <a:r>
-              <a:rPr lang="en"/>
-              <a:t>First page the user sees</a:t>
-            </a:r>
-            <a:endParaRPr/>
-          </a:p>
-          <a:p>
-            <a:pPr marL="914400" lvl="1" indent="-298450" algn="l" rtl="0">
-              <a:spcBef>
-                <a:spcPts val="0"/>
-              </a:spcBef>
-              <a:spcAft>
-                <a:spcPts val="0"/>
-              </a:spcAft>
-              <a:buSzPts val="1100"/>
-              <a:buChar char="○"/>
-            </a:pPr>
-            <a:r>
-              <a:rPr lang="en"/>
-              <a:t>They can interact with the search bar it has links on the footer to different pages</a:t>
-            </a:r>
-            <a:endParaRPr/>
-          </a:p>
-          <a:p>
-            <a:pPr marL="914400" lvl="0" indent="0" algn="l" rtl="0">
-              <a:spcBef>
-                <a:spcPts val="0"/>
-              </a:spcBef>
-              <a:spcAft>
-                <a:spcPts val="0"/>
-              </a:spcAft>
-              <a:buNone/>
-            </a:pPr>
-            <a:endParaRPr/>
-          </a:p>
-        </p:txBody>
-      </p:sp>
-    </p:spTree>
-  </p:cSld>
-  <p:clrMapOvr>
-    <a:masterClrMapping/>
-  </p:clrMapOvr>
-</p:notes>
-</file>
-
-<file path=ppt/notesSlides/notesSlide11.xml><?xml version="1.0" encoding="utf-8"?>
-<p:notes xmlns:a="http://schemas.openxmlformats.org/drawingml/2006/main" xmlns:r="http://schemas.openxmlformats.org/officeDocument/2006/relationships" xmlns:p="http://schemas.openxmlformats.org/presentationml/2006/main" showMasterSp="0" showMasterPhAnim="0">
-  <p:cSld>
-    <p:spTree>
-      <p:nvGrpSpPr>
-        <p:cNvPr id="1" name="Shape 145"/>
-        <p:cNvGrpSpPr/>
-        <p:nvPr/>
-      </p:nvGrpSpPr>
-      <p:grpSpPr>
-        <a:xfrm>
-          <a:off x="0" y="0"/>
-          <a:ext cx="0" cy="0"/>
-          <a:chOff x="0" y="0"/>
-          <a:chExt cx="0" cy="0"/>
-        </a:xfrm>
-      </p:grpSpPr>
-      <p:sp>
-        <p:nvSpPr>
-          <p:cNvPr id="146" name="Google Shape;146;g7febf045d3_0_38:notes"/>
-          <p:cNvSpPr>
-            <a:spLocks noGrp="1" noRot="1" noChangeAspect="1"/>
-          </p:cNvSpPr>
-          <p:nvPr>
-            <p:ph type="sldImg" idx="2"/>
-          </p:nvPr>
-        </p:nvSpPr>
-        <p:spPr>
-          <a:xfrm>
-            <a:off x="381300" y="685800"/>
-            <a:ext cx="6096000" cy="3429000"/>
-          </a:xfrm>
-          <a:custGeom>
-            <a:avLst/>
-            <a:gdLst/>
-            <a:ahLst/>
-            <a:cxnLst/>
-            <a:rect l="l" t="t" r="r" b="b"/>
-            <a:pathLst>
-              <a:path w="120000" h="120000" extrusionOk="0">
-                <a:moveTo>
-                  <a:pt x="0" y="0"/>
-                </a:moveTo>
-                <a:lnTo>
-                  <a:pt x="120000" y="0"/>
-                </a:lnTo>
-                <a:lnTo>
-                  <a:pt x="120000" y="120000"/>
-                </a:lnTo>
-                <a:lnTo>
-                  <a:pt x="0" y="120000"/>
-                </a:lnTo>
-                <a:close/>
-              </a:path>
-            </a:pathLst>
-          </a:custGeom>
-        </p:spPr>
-      </p:sp>
-      <p:sp>
-        <p:nvSpPr>
-          <p:cNvPr id="147" name="Google Shape;147;g7febf045d3_0_38:notes"/>
-          <p:cNvSpPr txBox="1">
-            <a:spLocks noGrp="1"/>
-          </p:cNvSpPr>
-          <p:nvPr>
-            <p:ph type="body" idx="1"/>
-          </p:nvPr>
-        </p:nvSpPr>
-        <p:spPr>
-          <a:xfrm>
-            <a:off x="685800" y="4343400"/>
-            <a:ext cx="5486400" cy="4114800"/>
-          </a:xfrm>
-          <a:prstGeom prst="rect">
-            <a:avLst/>
-          </a:prstGeom>
-        </p:spPr>
-        <p:txBody>
-          <a:bodyPr spcFirstLastPara="1" wrap="square" lIns="91425" tIns="91425" rIns="91425" bIns="91425" anchor="t" anchorCtr="0">
-            <a:noAutofit/>
-          </a:bodyPr>
-          <a:lstStyle/>
-          <a:p>
-            <a:pPr marL="0" lvl="0" indent="0" algn="l" rtl="0">
-              <a:spcBef>
-                <a:spcPts val="0"/>
-              </a:spcBef>
-              <a:spcAft>
-                <a:spcPts val="0"/>
-              </a:spcAft>
-              <a:buNone/>
-            </a:pPr>
-            <a:r>
-              <a:rPr lang="en"/>
-              <a:t>When the user types, a drop down list appears containing words that begin with the typed letters </a:t>
-            </a:r>
-            <a:endParaRPr/>
-          </a:p>
-        </p:txBody>
-      </p:sp>
-    </p:spTree>
-  </p:cSld>
-  <p:clrMapOvr>
-    <a:masterClrMapping/>
-  </p:clrMapOvr>
-</p:notes>
-</file>
-
-<file path=ppt/notesSlides/notesSlide12.xml><?xml version="1.0" encoding="utf-8"?>
-<p:notes xmlns:a="http://schemas.openxmlformats.org/drawingml/2006/main" xmlns:r="http://schemas.openxmlformats.org/officeDocument/2006/relationships" xmlns:p="http://schemas.openxmlformats.org/presentationml/2006/main" showMasterSp="0" showMasterPhAnim="0">
-  <p:cSld>
-    <p:spTree>
-      <p:nvGrpSpPr>
-        <p:cNvPr id="1" name="Shape 150"/>
-        <p:cNvGrpSpPr/>
-        <p:nvPr/>
-      </p:nvGrpSpPr>
-      <p:grpSpPr>
-        <a:xfrm>
-          <a:off x="0" y="0"/>
-          <a:ext cx="0" cy="0"/>
-          <a:chOff x="0" y="0"/>
-          <a:chExt cx="0" cy="0"/>
-        </a:xfrm>
-      </p:grpSpPr>
-      <p:sp>
-        <p:nvSpPr>
-          <p:cNvPr id="151" name="Google Shape;151;g7febf045d3_0_63:notes"/>
-          <p:cNvSpPr>
-            <a:spLocks noGrp="1" noRot="1" noChangeAspect="1"/>
-          </p:cNvSpPr>
-          <p:nvPr>
-            <p:ph type="sldImg" idx="2"/>
-          </p:nvPr>
-        </p:nvSpPr>
-        <p:spPr>
-          <a:xfrm>
-            <a:off x="381300" y="685800"/>
-            <a:ext cx="6096000" cy="3429000"/>
-          </a:xfrm>
-          <a:custGeom>
-            <a:avLst/>
-            <a:gdLst/>
-            <a:ahLst/>
-            <a:cxnLst/>
-            <a:rect l="l" t="t" r="r" b="b"/>
-            <a:pathLst>
-              <a:path w="120000" h="120000" extrusionOk="0">
-                <a:moveTo>
-                  <a:pt x="0" y="0"/>
-                </a:moveTo>
-                <a:lnTo>
-                  <a:pt x="120000" y="0"/>
-                </a:lnTo>
-                <a:lnTo>
-                  <a:pt x="120000" y="120000"/>
-                </a:lnTo>
-                <a:lnTo>
-                  <a:pt x="0" y="120000"/>
-                </a:lnTo>
-                <a:close/>
-              </a:path>
-            </a:pathLst>
-          </a:custGeom>
-        </p:spPr>
-      </p:sp>
-      <p:sp>
-        <p:nvSpPr>
-          <p:cNvPr id="152" name="Google Shape;152;g7febf045d3_0_63:notes"/>
-          <p:cNvSpPr txBox="1">
-            <a:spLocks noGrp="1"/>
-          </p:cNvSpPr>
-          <p:nvPr>
-            <p:ph type="body" idx="1"/>
-          </p:nvPr>
-        </p:nvSpPr>
-        <p:spPr>
-          <a:xfrm>
-            <a:off x="685800" y="4343400"/>
-            <a:ext cx="5486400" cy="4114800"/>
-          </a:xfrm>
-          <a:prstGeom prst="rect">
-            <a:avLst/>
-          </a:prstGeom>
-        </p:spPr>
-        <p:txBody>
-          <a:bodyPr spcFirstLastPara="1" wrap="square" lIns="91425" tIns="91425" rIns="91425" bIns="91425" anchor="t" anchorCtr="0">
-            <a:noAutofit/>
-          </a:bodyPr>
-          <a:lstStyle/>
-          <a:p>
-            <a:pPr marL="0" lvl="0" indent="0" algn="l" rtl="0">
-              <a:spcBef>
-                <a:spcPts val="0"/>
-              </a:spcBef>
-              <a:spcAft>
-                <a:spcPts val="0"/>
-              </a:spcAft>
-              <a:buNone/>
-            </a:pPr>
-            <a:r>
-              <a:rPr lang="en"/>
-              <a:t>The user can select an overview of cloud computing or one a subtopic related to it</a:t>
-            </a:r>
-            <a:endParaRPr/>
-          </a:p>
-          <a:p>
-            <a:pPr marL="0" lvl="0" indent="0" algn="l" rtl="0">
-              <a:spcBef>
-                <a:spcPts val="0"/>
-              </a:spcBef>
-              <a:spcAft>
-                <a:spcPts val="0"/>
-              </a:spcAft>
-              <a:buNone/>
-            </a:pPr>
-            <a:endParaRPr/>
-          </a:p>
-        </p:txBody>
-      </p:sp>
-    </p:spTree>
-  </p:cSld>
-  <p:clrMapOvr>
-    <a:masterClrMapping/>
-  </p:clrMapOvr>
-</p:notes>
-</file>
-
-<file path=ppt/notesSlides/notesSlide13.xml><?xml version="1.0" encoding="utf-8"?>
-<p:notes xmlns:a="http://schemas.openxmlformats.org/drawingml/2006/main" xmlns:r="http://schemas.openxmlformats.org/officeDocument/2006/relationships" xmlns:p="http://schemas.openxmlformats.org/presentationml/2006/main" showMasterSp="0" showMasterPhAnim="0">
-  <p:cSld>
-    <p:spTree>
-      <p:nvGrpSpPr>
-        <p:cNvPr id="1" name="Shape 155"/>
-        <p:cNvGrpSpPr/>
-        <p:nvPr/>
-      </p:nvGrpSpPr>
-      <p:grpSpPr>
-        <a:xfrm>
-          <a:off x="0" y="0"/>
-          <a:ext cx="0" cy="0"/>
-          <a:chOff x="0" y="0"/>
-          <a:chExt cx="0" cy="0"/>
-        </a:xfrm>
-      </p:grpSpPr>
-      <p:sp>
-        <p:nvSpPr>
-          <p:cNvPr id="156" name="Google Shape;156;g7febf045d3_0_82:notes"/>
-          <p:cNvSpPr>
-            <a:spLocks noGrp="1" noRot="1" noChangeAspect="1"/>
-          </p:cNvSpPr>
-          <p:nvPr>
-            <p:ph type="sldImg" idx="2"/>
-          </p:nvPr>
-        </p:nvSpPr>
-        <p:spPr>
-          <a:xfrm>
-            <a:off x="381300" y="685800"/>
-            <a:ext cx="6096000" cy="3429000"/>
-          </a:xfrm>
-          <a:custGeom>
-            <a:avLst/>
-            <a:gdLst/>
-            <a:ahLst/>
-            <a:cxnLst/>
-            <a:rect l="l" t="t" r="r" b="b"/>
-            <a:pathLst>
-              <a:path w="120000" h="120000" extrusionOk="0">
-                <a:moveTo>
-                  <a:pt x="0" y="0"/>
-                </a:moveTo>
-                <a:lnTo>
-                  <a:pt x="120000" y="0"/>
-                </a:lnTo>
-                <a:lnTo>
-                  <a:pt x="120000" y="120000"/>
-                </a:lnTo>
-                <a:lnTo>
-                  <a:pt x="0" y="120000"/>
-                </a:lnTo>
-                <a:close/>
-              </a:path>
-            </a:pathLst>
-          </a:custGeom>
-        </p:spPr>
-      </p:sp>
-      <p:sp>
-        <p:nvSpPr>
-          <p:cNvPr id="157" name="Google Shape;157;g7febf045d3_0_82:notes"/>
-          <p:cNvSpPr txBox="1">
-            <a:spLocks noGrp="1"/>
-          </p:cNvSpPr>
-          <p:nvPr>
-            <p:ph type="body" idx="1"/>
-          </p:nvPr>
-        </p:nvSpPr>
-        <p:spPr>
-          <a:xfrm>
-            <a:off x="685800" y="4343400"/>
-            <a:ext cx="5486400" cy="4114800"/>
-          </a:xfrm>
-          <a:prstGeom prst="rect">
-            <a:avLst/>
-          </a:prstGeom>
-        </p:spPr>
-        <p:txBody>
-          <a:bodyPr spcFirstLastPara="1" wrap="square" lIns="91425" tIns="91425" rIns="91425" bIns="91425" anchor="t" anchorCtr="0">
-            <a:noAutofit/>
-          </a:bodyPr>
-          <a:lstStyle/>
-          <a:p>
-            <a:pPr marL="0" lvl="0" indent="0" algn="l" rtl="0">
-              <a:spcBef>
-                <a:spcPts val="0"/>
-              </a:spcBef>
-              <a:spcAft>
-                <a:spcPts val="0"/>
-              </a:spcAft>
-              <a:buNone/>
-            </a:pPr>
-            <a:r>
-              <a:rPr lang="en"/>
-              <a:t>If a user searched for a word not in the library, the system will display that to them and give them the option to add it themselves.</a:t>
-            </a:r>
-            <a:endParaRPr/>
-          </a:p>
-        </p:txBody>
-      </p:sp>
-    </p:spTree>
-  </p:cSld>
-  <p:clrMapOvr>
-    <a:masterClrMapping/>
-  </p:clrMapOvr>
-</p:notes>
-</file>
-
-<file path=ppt/notesSlides/notesSlide14.xml><?xml version="1.0" encoding="utf-8"?>
-<p:notes xmlns:a="http://schemas.openxmlformats.org/drawingml/2006/main" xmlns:r="http://schemas.openxmlformats.org/officeDocument/2006/relationships" xmlns:p="http://schemas.openxmlformats.org/presentationml/2006/main" showMasterSp="0" showMasterPhAnim="0">
-  <p:cSld>
-    <p:spTree>
-      <p:nvGrpSpPr>
-        <p:cNvPr id="1" name="Shape 160"/>
-        <p:cNvGrpSpPr/>
-        <p:nvPr/>
-      </p:nvGrpSpPr>
-      <p:grpSpPr>
-        <a:xfrm>
-          <a:off x="0" y="0"/>
-          <a:ext cx="0" cy="0"/>
-          <a:chOff x="0" y="0"/>
-          <a:chExt cx="0" cy="0"/>
-        </a:xfrm>
-      </p:grpSpPr>
-      <p:sp>
-        <p:nvSpPr>
-          <p:cNvPr id="161" name="Google Shape;161;g7febf045d3_0_58:notes"/>
-          <p:cNvSpPr>
-            <a:spLocks noGrp="1" noRot="1" noChangeAspect="1"/>
-          </p:cNvSpPr>
-          <p:nvPr>
-            <p:ph type="sldImg" idx="2"/>
-          </p:nvPr>
-        </p:nvSpPr>
-        <p:spPr>
-          <a:xfrm>
-            <a:off x="381300" y="685800"/>
-            <a:ext cx="6096000" cy="3429000"/>
-          </a:xfrm>
-          <a:custGeom>
-            <a:avLst/>
-            <a:gdLst/>
-            <a:ahLst/>
-            <a:cxnLst/>
-            <a:rect l="l" t="t" r="r" b="b"/>
-            <a:pathLst>
-              <a:path w="120000" h="120000" extrusionOk="0">
-                <a:moveTo>
-                  <a:pt x="0" y="0"/>
-                </a:moveTo>
-                <a:lnTo>
-                  <a:pt x="120000" y="0"/>
-                </a:lnTo>
-                <a:lnTo>
-                  <a:pt x="120000" y="120000"/>
-                </a:lnTo>
-                <a:lnTo>
-                  <a:pt x="0" y="120000"/>
-                </a:lnTo>
-                <a:close/>
-              </a:path>
-            </a:pathLst>
-          </a:custGeom>
-        </p:spPr>
-      </p:sp>
-      <p:sp>
-        <p:nvSpPr>
-          <p:cNvPr id="162" name="Google Shape;162;g7febf045d3_0_58:notes"/>
-          <p:cNvSpPr txBox="1">
-            <a:spLocks noGrp="1"/>
-          </p:cNvSpPr>
-          <p:nvPr>
-            <p:ph type="body" idx="1"/>
-          </p:nvPr>
-        </p:nvSpPr>
-        <p:spPr>
-          <a:xfrm>
-            <a:off x="685800" y="4343400"/>
-            <a:ext cx="5486400" cy="4114800"/>
-          </a:xfrm>
-          <a:prstGeom prst="rect">
-            <a:avLst/>
-          </a:prstGeom>
-        </p:spPr>
-        <p:txBody>
-          <a:bodyPr spcFirstLastPara="1" wrap="square" lIns="91425" tIns="91425" rIns="91425" bIns="91425" anchor="t" anchorCtr="0">
-            <a:noAutofit/>
-          </a:bodyPr>
-          <a:lstStyle/>
-          <a:p>
-            <a:pPr marL="0" lvl="0" indent="0" algn="l" rtl="0">
-              <a:spcBef>
-                <a:spcPts val="0"/>
-              </a:spcBef>
-              <a:spcAft>
-                <a:spcPts val="0"/>
-              </a:spcAft>
-              <a:buNone/>
-            </a:pPr>
-            <a:r>
-              <a:rPr lang="en"/>
-              <a:t>Definition page gives an explanation and reference material</a:t>
-            </a:r>
-            <a:endParaRPr/>
-          </a:p>
-        </p:txBody>
-      </p:sp>
-    </p:spTree>
-  </p:cSld>
-  <p:clrMapOvr>
-    <a:masterClrMapping/>
-  </p:clrMapOvr>
-</p:notes>
-</file>
-
-<file path=ppt/notesSlides/notesSlide15.xml><?xml version="1.0" encoding="utf-8"?>
-<p:notes xmlns:a="http://schemas.openxmlformats.org/drawingml/2006/main" xmlns:r="http://schemas.openxmlformats.org/officeDocument/2006/relationships" xmlns:p="http://schemas.openxmlformats.org/presentationml/2006/main" showMasterSp="0" showMasterPhAnim="0">
-  <p:cSld>
-    <p:spTree>
-      <p:nvGrpSpPr>
-        <p:cNvPr id="1" name="Shape 165"/>
-        <p:cNvGrpSpPr/>
-        <p:nvPr/>
-      </p:nvGrpSpPr>
-      <p:grpSpPr>
-        <a:xfrm>
-          <a:off x="0" y="0"/>
-          <a:ext cx="0" cy="0"/>
-          <a:chOff x="0" y="0"/>
-          <a:chExt cx="0" cy="0"/>
-        </a:xfrm>
-      </p:grpSpPr>
-      <p:sp>
-        <p:nvSpPr>
-          <p:cNvPr id="166" name="Google Shape;166;g7febf045d3_0_53:notes"/>
-          <p:cNvSpPr>
-            <a:spLocks noGrp="1" noRot="1" noChangeAspect="1"/>
-          </p:cNvSpPr>
-          <p:nvPr>
-            <p:ph type="sldImg" idx="2"/>
-          </p:nvPr>
-        </p:nvSpPr>
-        <p:spPr>
-          <a:xfrm>
-            <a:off x="381300" y="685800"/>
-            <a:ext cx="6096000" cy="3429000"/>
-          </a:xfrm>
-          <a:custGeom>
-            <a:avLst/>
-            <a:gdLst/>
-            <a:ahLst/>
-            <a:cxnLst/>
-            <a:rect l="l" t="t" r="r" b="b"/>
-            <a:pathLst>
-              <a:path w="120000" h="120000" extrusionOk="0">
-                <a:moveTo>
-                  <a:pt x="0" y="0"/>
-                </a:moveTo>
-                <a:lnTo>
-                  <a:pt x="120000" y="0"/>
-                </a:lnTo>
-                <a:lnTo>
-                  <a:pt x="120000" y="120000"/>
-                </a:lnTo>
-                <a:lnTo>
-                  <a:pt x="0" y="120000"/>
-                </a:lnTo>
-                <a:close/>
-              </a:path>
-            </a:pathLst>
-          </a:custGeom>
-        </p:spPr>
-      </p:sp>
-      <p:sp>
-        <p:nvSpPr>
-          <p:cNvPr id="167" name="Google Shape;167;g7febf045d3_0_53:notes"/>
-          <p:cNvSpPr txBox="1">
-            <a:spLocks noGrp="1"/>
-          </p:cNvSpPr>
-          <p:nvPr>
-            <p:ph type="body" idx="1"/>
-          </p:nvPr>
-        </p:nvSpPr>
-        <p:spPr>
-          <a:xfrm>
-            <a:off x="685800" y="4343400"/>
-            <a:ext cx="5486400" cy="4114800"/>
-          </a:xfrm>
-          <a:prstGeom prst="rect">
-            <a:avLst/>
-          </a:prstGeom>
-        </p:spPr>
-        <p:txBody>
-          <a:bodyPr spcFirstLastPara="1" wrap="square" lIns="91425" tIns="91425" rIns="91425" bIns="91425" anchor="t" anchorCtr="0">
-            <a:noAutofit/>
-          </a:bodyPr>
-          <a:lstStyle/>
-          <a:p>
-            <a:pPr marL="0" lvl="0" indent="0" algn="l" rtl="0">
-              <a:spcBef>
-                <a:spcPts val="0"/>
-              </a:spcBef>
-              <a:spcAft>
-                <a:spcPts val="0"/>
-              </a:spcAft>
-              <a:buNone/>
-            </a:pPr>
-            <a:endParaRPr/>
-          </a:p>
-        </p:txBody>
-      </p:sp>
-    </p:spTree>
-  </p:cSld>
-  <p:clrMapOvr>
-    <a:masterClrMapping/>
-  </p:clrMapOvr>
-</p:notes>
-</file>
-
-<file path=ppt/notesSlides/notesSlide16.xml><?xml version="1.0" encoding="utf-8"?>
-<p:notes xmlns:a="http://schemas.openxmlformats.org/drawingml/2006/main" xmlns:r="http://schemas.openxmlformats.org/officeDocument/2006/relationships" xmlns:p="http://schemas.openxmlformats.org/presentationml/2006/main" showMasterSp="0" showMasterPhAnim="0">
-  <p:cSld>
-    <p:spTree>
-      <p:nvGrpSpPr>
-        <p:cNvPr id="1" name="Shape 170"/>
-        <p:cNvGrpSpPr/>
-        <p:nvPr/>
-      </p:nvGrpSpPr>
-      <p:grpSpPr>
-        <a:xfrm>
-          <a:off x="0" y="0"/>
-          <a:ext cx="0" cy="0"/>
-          <a:chOff x="0" y="0"/>
-          <a:chExt cx="0" cy="0"/>
-        </a:xfrm>
-      </p:grpSpPr>
-      <p:sp>
-        <p:nvSpPr>
-          <p:cNvPr id="171" name="Google Shape;171;g7febf045d3_0_48:notes"/>
-          <p:cNvSpPr>
-            <a:spLocks noGrp="1" noRot="1" noChangeAspect="1"/>
-          </p:cNvSpPr>
-          <p:nvPr>
-            <p:ph type="sldImg" idx="2"/>
-          </p:nvPr>
-        </p:nvSpPr>
-        <p:spPr>
-          <a:xfrm>
-            <a:off x="381300" y="685800"/>
-            <a:ext cx="6096000" cy="3429000"/>
-          </a:xfrm>
-          <a:custGeom>
-            <a:avLst/>
-            <a:gdLst/>
-            <a:ahLst/>
-            <a:cxnLst/>
-            <a:rect l="l" t="t" r="r" b="b"/>
-            <a:pathLst>
-              <a:path w="120000" h="120000" extrusionOk="0">
-                <a:moveTo>
-                  <a:pt x="0" y="0"/>
-                </a:moveTo>
-                <a:lnTo>
-                  <a:pt x="120000" y="0"/>
-                </a:lnTo>
-                <a:lnTo>
-                  <a:pt x="120000" y="120000"/>
-                </a:lnTo>
-                <a:lnTo>
-                  <a:pt x="0" y="120000"/>
-                </a:lnTo>
-                <a:close/>
-              </a:path>
-            </a:pathLst>
-          </a:custGeom>
-        </p:spPr>
-      </p:sp>
-      <p:sp>
-        <p:nvSpPr>
-          <p:cNvPr id="172" name="Google Shape;172;g7febf045d3_0_48:notes"/>
-          <p:cNvSpPr txBox="1">
-            <a:spLocks noGrp="1"/>
-          </p:cNvSpPr>
-          <p:nvPr>
-            <p:ph type="body" idx="1"/>
-          </p:nvPr>
-        </p:nvSpPr>
-        <p:spPr>
-          <a:xfrm>
-            <a:off x="685800" y="4343400"/>
-            <a:ext cx="5486400" cy="4114800"/>
-          </a:xfrm>
-          <a:prstGeom prst="rect">
-            <a:avLst/>
-          </a:prstGeom>
-        </p:spPr>
-        <p:txBody>
-          <a:bodyPr spcFirstLastPara="1" wrap="square" lIns="91425" tIns="91425" rIns="91425" bIns="91425" anchor="t" anchorCtr="0">
-            <a:noAutofit/>
-          </a:bodyPr>
-          <a:lstStyle/>
-          <a:p>
-            <a:pPr marL="0" lvl="0" indent="0" algn="l" rtl="0">
-              <a:spcBef>
-                <a:spcPts val="0"/>
-              </a:spcBef>
-              <a:spcAft>
-                <a:spcPts val="0"/>
-              </a:spcAft>
-              <a:buNone/>
-            </a:pPr>
-            <a:endParaRPr/>
-          </a:p>
-        </p:txBody>
-      </p:sp>
-    </p:spTree>
-  </p:cSld>
-  <p:clrMapOvr>
-    <a:masterClrMapping/>
-  </p:clrMapOvr>
-</p:notes>
-</file>
-
-<file path=ppt/notesSlides/notesSlide17.xml><?xml version="1.0" encoding="utf-8"?>
-<p:notes xmlns:a="http://schemas.openxmlformats.org/drawingml/2006/main" xmlns:r="http://schemas.openxmlformats.org/officeDocument/2006/relationships" xmlns:p="http://schemas.openxmlformats.org/presentationml/2006/main" showMasterSp="0" showMasterPhAnim="0">
-  <p:cSld>
-    <p:spTree>
-      <p:nvGrpSpPr>
-        <p:cNvPr id="1" name="Shape 175"/>
-        <p:cNvGrpSpPr/>
-        <p:nvPr/>
-      </p:nvGrpSpPr>
-      <p:grpSpPr>
-        <a:xfrm>
-          <a:off x="0" y="0"/>
-          <a:ext cx="0" cy="0"/>
-          <a:chOff x="0" y="0"/>
-          <a:chExt cx="0" cy="0"/>
-        </a:xfrm>
-      </p:grpSpPr>
-      <p:sp>
-        <p:nvSpPr>
-          <p:cNvPr id="176" name="Google Shape;176;g7febf045d3_1_1:notes"/>
-          <p:cNvSpPr>
-            <a:spLocks noGrp="1" noRot="1" noChangeAspect="1"/>
-          </p:cNvSpPr>
-          <p:nvPr>
-            <p:ph type="sldImg" idx="2"/>
-          </p:nvPr>
-        </p:nvSpPr>
-        <p:spPr>
-          <a:xfrm>
-            <a:off x="381300" y="685800"/>
-            <a:ext cx="6096000" cy="3429000"/>
-          </a:xfrm>
-          <a:custGeom>
-            <a:avLst/>
-            <a:gdLst/>
-            <a:ahLst/>
-            <a:cxnLst/>
-            <a:rect l="l" t="t" r="r" b="b"/>
-            <a:pathLst>
-              <a:path w="120000" h="120000" extrusionOk="0">
-                <a:moveTo>
-                  <a:pt x="0" y="0"/>
-                </a:moveTo>
-                <a:lnTo>
-                  <a:pt x="120000" y="0"/>
-                </a:lnTo>
-                <a:lnTo>
-                  <a:pt x="120000" y="120000"/>
-                </a:lnTo>
-                <a:lnTo>
-                  <a:pt x="0" y="120000"/>
-                </a:lnTo>
-                <a:close/>
-              </a:path>
-            </a:pathLst>
-          </a:custGeom>
-        </p:spPr>
-      </p:sp>
-      <p:sp>
-        <p:nvSpPr>
-          <p:cNvPr id="177" name="Google Shape;177;g7febf045d3_1_1:notes"/>
-          <p:cNvSpPr txBox="1">
-            <a:spLocks noGrp="1"/>
-          </p:cNvSpPr>
-          <p:nvPr>
-            <p:ph type="body" idx="1"/>
-          </p:nvPr>
-        </p:nvSpPr>
-        <p:spPr>
-          <a:xfrm>
-            <a:off x="685800" y="4343400"/>
-            <a:ext cx="5486400" cy="4114800"/>
-          </a:xfrm>
-          <a:prstGeom prst="rect">
-            <a:avLst/>
-          </a:prstGeom>
-        </p:spPr>
-        <p:txBody>
-          <a:bodyPr spcFirstLastPara="1" wrap="square" lIns="91425" tIns="91425" rIns="91425" bIns="91425" anchor="t" anchorCtr="0">
-            <a:noAutofit/>
-          </a:bodyPr>
-          <a:lstStyle/>
-          <a:p>
-            <a:pPr marL="0" lvl="0" indent="0" algn="l" rtl="0">
-              <a:spcBef>
-                <a:spcPts val="0"/>
-              </a:spcBef>
-              <a:spcAft>
-                <a:spcPts val="0"/>
-              </a:spcAft>
-              <a:buNone/>
-            </a:pPr>
-            <a:endParaRPr/>
-          </a:p>
-        </p:txBody>
-      </p:sp>
-    </p:spTree>
-  </p:cSld>
-  <p:clrMapOvr>
-    <a:masterClrMapping/>
-  </p:clrMapOvr>
-</p:notes>
-</file>
-
-<file path=ppt/notesSlides/notesSlide18.xml><?xml version="1.0" encoding="utf-8"?>
-<p:notes xmlns:a="http://schemas.openxmlformats.org/drawingml/2006/main" xmlns:r="http://schemas.openxmlformats.org/officeDocument/2006/relationships" xmlns:p="http://schemas.openxmlformats.org/presentationml/2006/main" showMasterSp="0" showMasterPhAnim="0">
-  <p:cSld>
-    <p:spTree>
-      <p:nvGrpSpPr>
-        <p:cNvPr id="1" name="Shape 180"/>
-        <p:cNvGrpSpPr/>
-        <p:nvPr/>
-      </p:nvGrpSpPr>
-      <p:grpSpPr>
-        <a:xfrm>
-          <a:off x="0" y="0"/>
-          <a:ext cx="0" cy="0"/>
-          <a:chOff x="0" y="0"/>
-          <a:chExt cx="0" cy="0"/>
-        </a:xfrm>
-      </p:grpSpPr>
-      <p:sp>
-        <p:nvSpPr>
-          <p:cNvPr id="181" name="Google Shape;181;g7febf045d3_1_7:notes"/>
-          <p:cNvSpPr>
-            <a:spLocks noGrp="1" noRot="1" noChangeAspect="1"/>
-          </p:cNvSpPr>
-          <p:nvPr>
-            <p:ph type="sldImg" idx="2"/>
-          </p:nvPr>
-        </p:nvSpPr>
-        <p:spPr>
-          <a:xfrm>
-            <a:off x="381300" y="685800"/>
-            <a:ext cx="6096000" cy="3429000"/>
-          </a:xfrm>
-          <a:custGeom>
-            <a:avLst/>
-            <a:gdLst/>
-            <a:ahLst/>
-            <a:cxnLst/>
-            <a:rect l="l" t="t" r="r" b="b"/>
-            <a:pathLst>
-              <a:path w="120000" h="120000" extrusionOk="0">
-                <a:moveTo>
-                  <a:pt x="0" y="0"/>
-                </a:moveTo>
-                <a:lnTo>
-                  <a:pt x="120000" y="0"/>
-                </a:lnTo>
-                <a:lnTo>
-                  <a:pt x="120000" y="120000"/>
-                </a:lnTo>
-                <a:lnTo>
-                  <a:pt x="0" y="120000"/>
-                </a:lnTo>
-                <a:close/>
-              </a:path>
-            </a:pathLst>
-          </a:custGeom>
-        </p:spPr>
-      </p:sp>
-      <p:sp>
-        <p:nvSpPr>
-          <p:cNvPr id="182" name="Google Shape;182;g7febf045d3_1_7:notes"/>
-          <p:cNvSpPr txBox="1">
-            <a:spLocks noGrp="1"/>
-          </p:cNvSpPr>
-          <p:nvPr>
-            <p:ph type="body" idx="1"/>
-          </p:nvPr>
-        </p:nvSpPr>
-        <p:spPr>
-          <a:xfrm>
-            <a:off x="685800" y="4343400"/>
-            <a:ext cx="5486400" cy="4114800"/>
-          </a:xfrm>
-          <a:prstGeom prst="rect">
-            <a:avLst/>
-          </a:prstGeom>
-        </p:spPr>
-        <p:txBody>
-          <a:bodyPr spcFirstLastPara="1" wrap="square" lIns="91425" tIns="91425" rIns="91425" bIns="91425" anchor="t" anchorCtr="0">
-            <a:noAutofit/>
-          </a:bodyPr>
-          <a:lstStyle/>
-          <a:p>
-            <a:pPr marL="0" lvl="0" indent="0" algn="l" rtl="0">
-              <a:spcBef>
-                <a:spcPts val="0"/>
-              </a:spcBef>
-              <a:spcAft>
-                <a:spcPts val="0"/>
-              </a:spcAft>
-              <a:buNone/>
-            </a:pPr>
-            <a:endParaRPr/>
-          </a:p>
-        </p:txBody>
-      </p:sp>
-    </p:spTree>
-  </p:cSld>
-  <p:clrMapOvr>
-    <a:masterClrMapping/>
-  </p:clrMapOvr>
-</p:notes>
-</file>
-
-<file path=ppt/notesSlides/notesSlide19.xml><?xml version="1.0" encoding="utf-8"?>
-<p:notes xmlns:a="http://schemas.openxmlformats.org/drawingml/2006/main" xmlns:r="http://schemas.openxmlformats.org/officeDocument/2006/relationships" xmlns:p="http://schemas.openxmlformats.org/presentationml/2006/main" showMasterSp="0" showMasterPhAnim="0">
-  <p:cSld>
-    <p:spTree>
-      <p:nvGrpSpPr>
-        <p:cNvPr id="1" name="Shape 185"/>
-        <p:cNvGrpSpPr/>
-        <p:nvPr/>
-      </p:nvGrpSpPr>
-      <p:grpSpPr>
-        <a:xfrm>
-          <a:off x="0" y="0"/>
-          <a:ext cx="0" cy="0"/>
-          <a:chOff x="0" y="0"/>
-          <a:chExt cx="0" cy="0"/>
-        </a:xfrm>
-      </p:grpSpPr>
-      <p:sp>
-        <p:nvSpPr>
-          <p:cNvPr id="186" name="Google Shape;186;g7febf045d3_1_10:notes"/>
-          <p:cNvSpPr>
-            <a:spLocks noGrp="1" noRot="1" noChangeAspect="1"/>
-          </p:cNvSpPr>
-          <p:nvPr>
-            <p:ph type="sldImg" idx="2"/>
-          </p:nvPr>
-        </p:nvSpPr>
-        <p:spPr>
-          <a:xfrm>
-            <a:off x="381300" y="685800"/>
-            <a:ext cx="6096000" cy="3429000"/>
-          </a:xfrm>
-          <a:custGeom>
-            <a:avLst/>
-            <a:gdLst/>
-            <a:ahLst/>
-            <a:cxnLst/>
-            <a:rect l="l" t="t" r="r" b="b"/>
-            <a:pathLst>
-              <a:path w="120000" h="120000" extrusionOk="0">
-                <a:moveTo>
-                  <a:pt x="0" y="0"/>
-                </a:moveTo>
-                <a:lnTo>
-                  <a:pt x="120000" y="0"/>
-                </a:lnTo>
-                <a:lnTo>
-                  <a:pt x="120000" y="120000"/>
-                </a:lnTo>
-                <a:lnTo>
-                  <a:pt x="0" y="120000"/>
-                </a:lnTo>
-                <a:close/>
-              </a:path>
-            </a:pathLst>
-          </a:custGeom>
-        </p:spPr>
-      </p:sp>
-      <p:sp>
-        <p:nvSpPr>
-          <p:cNvPr id="187" name="Google Shape;187;g7febf045d3_1_10:notes"/>
-          <p:cNvSpPr txBox="1">
-            <a:spLocks noGrp="1"/>
-          </p:cNvSpPr>
-          <p:nvPr>
-            <p:ph type="body" idx="1"/>
-          </p:nvPr>
-        </p:nvSpPr>
-        <p:spPr>
-          <a:xfrm>
-            <a:off x="685800" y="4343400"/>
-            <a:ext cx="5486400" cy="4114800"/>
-          </a:xfrm>
-          <a:prstGeom prst="rect">
-            <a:avLst/>
-          </a:prstGeom>
-        </p:spPr>
-        <p:txBody>
-          <a:bodyPr spcFirstLastPara="1" wrap="square" lIns="91425" tIns="91425" rIns="91425" bIns="91425" anchor="t" anchorCtr="0">
-            <a:noAutofit/>
-          </a:bodyPr>
-          <a:lstStyle/>
-          <a:p>
-            <a:pPr marL="0" lvl="0" indent="0" algn="l" rtl="0">
-              <a:spcBef>
-                <a:spcPts val="0"/>
-              </a:spcBef>
-              <a:spcAft>
-                <a:spcPts val="0"/>
-              </a:spcAft>
-              <a:buNone/>
-            </a:pPr>
-            <a:endParaRPr/>
-          </a:p>
-        </p:txBody>
-      </p:sp>
-    </p:spTree>
-  </p:cSld>
-  <p:clrMapOvr>
-    <a:masterClrMapping/>
-  </p:clrMapOvr>
-</p:notes>
-</file>
-
 <file path=ppt/notesSlides/notesSlide2.xml><?xml version="1.0" encoding="utf-8"?>
 <p:notes xmlns:a="http://schemas.openxmlformats.org/drawingml/2006/main" xmlns:r="http://schemas.openxmlformats.org/officeDocument/2006/relationships" xmlns:p="http://schemas.openxmlformats.org/presentationml/2006/main" showMasterSp="0" showMasterPhAnim="0">
   <p:cSld>
@@ -1972,7 +851,7 @@
         </p:nvSpPr>
         <p:spPr>
           <a:xfrm>
-            <a:off x="381300" y="685800"/>
+            <a:off x="381000" y="685800"/>
             <a:ext cx="6096000" cy="3429000"/>
           </a:xfrm>
           <a:custGeom>
@@ -2004,946 +883,6 @@
       <p:sp>
         <p:nvSpPr>
           <p:cNvPr id="90" name="Google Shape;90;g74b217b696_0_0:notes"/>
-          <p:cNvSpPr txBox="1">
-            <a:spLocks noGrp="1"/>
-          </p:cNvSpPr>
-          <p:nvPr>
-            <p:ph type="body" idx="1"/>
-          </p:nvPr>
-        </p:nvSpPr>
-        <p:spPr>
-          <a:xfrm>
-            <a:off x="685800" y="4343400"/>
-            <a:ext cx="5486400" cy="4114800"/>
-          </a:xfrm>
-          <a:prstGeom prst="rect">
-            <a:avLst/>
-          </a:prstGeom>
-        </p:spPr>
-        <p:txBody>
-          <a:bodyPr spcFirstLastPara="1" wrap="square" lIns="91425" tIns="91425" rIns="91425" bIns="91425" anchor="t" anchorCtr="0">
-            <a:noAutofit/>
-          </a:bodyPr>
-          <a:lstStyle/>
-          <a:p>
-            <a:pPr marL="0" lvl="0" indent="0" algn="l" rtl="0">
-              <a:spcBef>
-                <a:spcPts val="0"/>
-              </a:spcBef>
-              <a:spcAft>
-                <a:spcPts val="0"/>
-              </a:spcAft>
-              <a:buNone/>
-            </a:pPr>
-            <a:endParaRPr/>
-          </a:p>
-        </p:txBody>
-      </p:sp>
-    </p:spTree>
-  </p:cSld>
-  <p:clrMapOvr>
-    <a:masterClrMapping/>
-  </p:clrMapOvr>
-</p:notes>
-</file>
-
-<file path=ppt/notesSlides/notesSlide20.xml><?xml version="1.0" encoding="utf-8"?>
-<p:notes xmlns:a="http://schemas.openxmlformats.org/drawingml/2006/main" xmlns:r="http://schemas.openxmlformats.org/officeDocument/2006/relationships" xmlns:p="http://schemas.openxmlformats.org/presentationml/2006/main" showMasterSp="0" showMasterPhAnim="0">
-  <p:cSld>
-    <p:spTree>
-      <p:nvGrpSpPr>
-        <p:cNvPr id="1" name="Shape 190"/>
-        <p:cNvGrpSpPr/>
-        <p:nvPr/>
-      </p:nvGrpSpPr>
-      <p:grpSpPr>
-        <a:xfrm>
-          <a:off x="0" y="0"/>
-          <a:ext cx="0" cy="0"/>
-          <a:chOff x="0" y="0"/>
-          <a:chExt cx="0" cy="0"/>
-        </a:xfrm>
-      </p:grpSpPr>
-      <p:sp>
-        <p:nvSpPr>
-          <p:cNvPr id="191" name="Google Shape;191;g7febf045d3_1_4:notes"/>
-          <p:cNvSpPr>
-            <a:spLocks noGrp="1" noRot="1" noChangeAspect="1"/>
-          </p:cNvSpPr>
-          <p:nvPr>
-            <p:ph type="sldImg" idx="2"/>
-          </p:nvPr>
-        </p:nvSpPr>
-        <p:spPr>
-          <a:xfrm>
-            <a:off x="381300" y="685800"/>
-            <a:ext cx="6096000" cy="3429000"/>
-          </a:xfrm>
-          <a:custGeom>
-            <a:avLst/>
-            <a:gdLst/>
-            <a:ahLst/>
-            <a:cxnLst/>
-            <a:rect l="l" t="t" r="r" b="b"/>
-            <a:pathLst>
-              <a:path w="120000" h="120000" extrusionOk="0">
-                <a:moveTo>
-                  <a:pt x="0" y="0"/>
-                </a:moveTo>
-                <a:lnTo>
-                  <a:pt x="120000" y="0"/>
-                </a:lnTo>
-                <a:lnTo>
-                  <a:pt x="120000" y="120000"/>
-                </a:lnTo>
-                <a:lnTo>
-                  <a:pt x="0" y="120000"/>
-                </a:lnTo>
-                <a:close/>
-              </a:path>
-            </a:pathLst>
-          </a:custGeom>
-        </p:spPr>
-      </p:sp>
-      <p:sp>
-        <p:nvSpPr>
-          <p:cNvPr id="192" name="Google Shape;192;g7febf045d3_1_4:notes"/>
-          <p:cNvSpPr txBox="1">
-            <a:spLocks noGrp="1"/>
-          </p:cNvSpPr>
-          <p:nvPr>
-            <p:ph type="body" idx="1"/>
-          </p:nvPr>
-        </p:nvSpPr>
-        <p:spPr>
-          <a:xfrm>
-            <a:off x="685800" y="4343400"/>
-            <a:ext cx="5486400" cy="4114800"/>
-          </a:xfrm>
-          <a:prstGeom prst="rect">
-            <a:avLst/>
-          </a:prstGeom>
-        </p:spPr>
-        <p:txBody>
-          <a:bodyPr spcFirstLastPara="1" wrap="square" lIns="91425" tIns="91425" rIns="91425" bIns="91425" anchor="t" anchorCtr="0">
-            <a:noAutofit/>
-          </a:bodyPr>
-          <a:lstStyle/>
-          <a:p>
-            <a:pPr marL="0" lvl="0" indent="0" algn="l" rtl="0">
-              <a:spcBef>
-                <a:spcPts val="0"/>
-              </a:spcBef>
-              <a:spcAft>
-                <a:spcPts val="0"/>
-              </a:spcAft>
-              <a:buNone/>
-            </a:pPr>
-            <a:endParaRPr/>
-          </a:p>
-        </p:txBody>
-      </p:sp>
-    </p:spTree>
-  </p:cSld>
-  <p:clrMapOvr>
-    <a:masterClrMapping/>
-  </p:clrMapOvr>
-</p:notes>
-</file>
-
-<file path=ppt/notesSlides/notesSlide21.xml><?xml version="1.0" encoding="utf-8"?>
-<p:notes xmlns:a="http://schemas.openxmlformats.org/drawingml/2006/main" xmlns:r="http://schemas.openxmlformats.org/officeDocument/2006/relationships" xmlns:p="http://schemas.openxmlformats.org/presentationml/2006/main" showMasterSp="0" showMasterPhAnim="0">
-  <p:cSld>
-    <p:spTree>
-      <p:nvGrpSpPr>
-        <p:cNvPr id="1" name="Shape 195"/>
-        <p:cNvGrpSpPr/>
-        <p:nvPr/>
-      </p:nvGrpSpPr>
-      <p:grpSpPr>
-        <a:xfrm>
-          <a:off x="0" y="0"/>
-          <a:ext cx="0" cy="0"/>
-          <a:chOff x="0" y="0"/>
-          <a:chExt cx="0" cy="0"/>
-        </a:xfrm>
-      </p:grpSpPr>
-      <p:sp>
-        <p:nvSpPr>
-          <p:cNvPr id="196" name="Google Shape;196;g74b217b696_0_20:notes"/>
-          <p:cNvSpPr>
-            <a:spLocks noGrp="1" noRot="1" noChangeAspect="1"/>
-          </p:cNvSpPr>
-          <p:nvPr>
-            <p:ph type="sldImg" idx="2"/>
-          </p:nvPr>
-        </p:nvSpPr>
-        <p:spPr>
-          <a:xfrm>
-            <a:off x="381300" y="685800"/>
-            <a:ext cx="6096000" cy="3429000"/>
-          </a:xfrm>
-          <a:custGeom>
-            <a:avLst/>
-            <a:gdLst/>
-            <a:ahLst/>
-            <a:cxnLst/>
-            <a:rect l="l" t="t" r="r" b="b"/>
-            <a:pathLst>
-              <a:path w="120000" h="120000" extrusionOk="0">
-                <a:moveTo>
-                  <a:pt x="0" y="0"/>
-                </a:moveTo>
-                <a:lnTo>
-                  <a:pt x="120000" y="0"/>
-                </a:lnTo>
-                <a:lnTo>
-                  <a:pt x="120000" y="120000"/>
-                </a:lnTo>
-                <a:lnTo>
-                  <a:pt x="0" y="120000"/>
-                </a:lnTo>
-                <a:close/>
-              </a:path>
-            </a:pathLst>
-          </a:custGeom>
-        </p:spPr>
-      </p:sp>
-      <p:sp>
-        <p:nvSpPr>
-          <p:cNvPr id="197" name="Google Shape;197;g74b217b696_0_20:notes"/>
-          <p:cNvSpPr txBox="1">
-            <a:spLocks noGrp="1"/>
-          </p:cNvSpPr>
-          <p:nvPr>
-            <p:ph type="body" idx="1"/>
-          </p:nvPr>
-        </p:nvSpPr>
-        <p:spPr>
-          <a:xfrm>
-            <a:off x="685800" y="4343400"/>
-            <a:ext cx="5486400" cy="4114800"/>
-          </a:xfrm>
-          <a:prstGeom prst="rect">
-            <a:avLst/>
-          </a:prstGeom>
-        </p:spPr>
-        <p:txBody>
-          <a:bodyPr spcFirstLastPara="1" wrap="square" lIns="91425" tIns="91425" rIns="91425" bIns="91425" anchor="t" anchorCtr="0">
-            <a:noAutofit/>
-          </a:bodyPr>
-          <a:lstStyle/>
-          <a:p>
-            <a:pPr marL="0" lvl="0" indent="0" algn="l" rtl="0">
-              <a:spcBef>
-                <a:spcPts val="0"/>
-              </a:spcBef>
-              <a:spcAft>
-                <a:spcPts val="0"/>
-              </a:spcAft>
-              <a:buNone/>
-            </a:pPr>
-            <a:r>
-              <a:rPr lang="en"/>
-              <a:t>Our administrator will be able to accept requests and users can search the website.</a:t>
-            </a:r>
-            <a:endParaRPr/>
-          </a:p>
-        </p:txBody>
-      </p:sp>
-    </p:spTree>
-  </p:cSld>
-  <p:clrMapOvr>
-    <a:masterClrMapping/>
-  </p:clrMapOvr>
-</p:notes>
-</file>
-
-<file path=ppt/notesSlides/notesSlide3.xml><?xml version="1.0" encoding="utf-8"?>
-<p:notes xmlns:a="http://schemas.openxmlformats.org/drawingml/2006/main" xmlns:r="http://schemas.openxmlformats.org/officeDocument/2006/relationships" xmlns:p="http://schemas.openxmlformats.org/presentationml/2006/main" showMasterSp="0" showMasterPhAnim="0">
-  <p:cSld>
-    <p:spTree>
-      <p:nvGrpSpPr>
-        <p:cNvPr id="1" name="Shape 94"/>
-        <p:cNvGrpSpPr/>
-        <p:nvPr/>
-      </p:nvGrpSpPr>
-      <p:grpSpPr>
-        <a:xfrm>
-          <a:off x="0" y="0"/>
-          <a:ext cx="0" cy="0"/>
-          <a:chOff x="0" y="0"/>
-          <a:chExt cx="0" cy="0"/>
-        </a:xfrm>
-      </p:grpSpPr>
-      <p:sp>
-        <p:nvSpPr>
-          <p:cNvPr id="95" name="Google Shape;95;g74b217b696_0_5:notes"/>
-          <p:cNvSpPr>
-            <a:spLocks noGrp="1" noRot="1" noChangeAspect="1"/>
-          </p:cNvSpPr>
-          <p:nvPr>
-            <p:ph type="sldImg" idx="2"/>
-          </p:nvPr>
-        </p:nvSpPr>
-        <p:spPr>
-          <a:xfrm>
-            <a:off x="381300" y="685800"/>
-            <a:ext cx="6096000" cy="3429000"/>
-          </a:xfrm>
-          <a:custGeom>
-            <a:avLst/>
-            <a:gdLst/>
-            <a:ahLst/>
-            <a:cxnLst/>
-            <a:rect l="l" t="t" r="r" b="b"/>
-            <a:pathLst>
-              <a:path w="120000" h="120000" extrusionOk="0">
-                <a:moveTo>
-                  <a:pt x="0" y="0"/>
-                </a:moveTo>
-                <a:lnTo>
-                  <a:pt x="120000" y="0"/>
-                </a:lnTo>
-                <a:lnTo>
-                  <a:pt x="120000" y="120000"/>
-                </a:lnTo>
-                <a:lnTo>
-                  <a:pt x="0" y="120000"/>
-                </a:lnTo>
-                <a:close/>
-              </a:path>
-            </a:pathLst>
-          </a:custGeom>
-        </p:spPr>
-      </p:sp>
-      <p:sp>
-        <p:nvSpPr>
-          <p:cNvPr id="96" name="Google Shape;96;g74b217b696_0_5:notes"/>
-          <p:cNvSpPr txBox="1">
-            <a:spLocks noGrp="1"/>
-          </p:cNvSpPr>
-          <p:nvPr>
-            <p:ph type="body" idx="1"/>
-          </p:nvPr>
-        </p:nvSpPr>
-        <p:spPr>
-          <a:xfrm>
-            <a:off x="685800" y="4343400"/>
-            <a:ext cx="5486400" cy="4114800"/>
-          </a:xfrm>
-          <a:prstGeom prst="rect">
-            <a:avLst/>
-          </a:prstGeom>
-        </p:spPr>
-        <p:txBody>
-          <a:bodyPr spcFirstLastPara="1" wrap="square" lIns="91425" tIns="91425" rIns="91425" bIns="91425" anchor="t" anchorCtr="0">
-            <a:noAutofit/>
-          </a:bodyPr>
-          <a:lstStyle/>
-          <a:p>
-            <a:pPr marL="0" lvl="0" indent="0" algn="l" rtl="0">
-              <a:spcBef>
-                <a:spcPts val="0"/>
-              </a:spcBef>
-              <a:spcAft>
-                <a:spcPts val="0"/>
-              </a:spcAft>
-              <a:buNone/>
-            </a:pPr>
-            <a:endParaRPr/>
-          </a:p>
-        </p:txBody>
-      </p:sp>
-    </p:spTree>
-  </p:cSld>
-  <p:clrMapOvr>
-    <a:masterClrMapping/>
-  </p:clrMapOvr>
-</p:notes>
-</file>
-
-<file path=ppt/notesSlides/notesSlide4.xml><?xml version="1.0" encoding="utf-8"?>
-<p:notes xmlns:a="http://schemas.openxmlformats.org/drawingml/2006/main" xmlns:r="http://schemas.openxmlformats.org/officeDocument/2006/relationships" xmlns:p="http://schemas.openxmlformats.org/presentationml/2006/main" showMasterSp="0" showMasterPhAnim="0">
-  <p:cSld>
-    <p:spTree>
-      <p:nvGrpSpPr>
-        <p:cNvPr id="1" name="Shape 100"/>
-        <p:cNvGrpSpPr/>
-        <p:nvPr/>
-      </p:nvGrpSpPr>
-      <p:grpSpPr>
-        <a:xfrm>
-          <a:off x="0" y="0"/>
-          <a:ext cx="0" cy="0"/>
-          <a:chOff x="0" y="0"/>
-          <a:chExt cx="0" cy="0"/>
-        </a:xfrm>
-      </p:grpSpPr>
-      <p:sp>
-        <p:nvSpPr>
-          <p:cNvPr id="101" name="Google Shape;101;g74b217b696_0_10:notes"/>
-          <p:cNvSpPr>
-            <a:spLocks noGrp="1" noRot="1" noChangeAspect="1"/>
-          </p:cNvSpPr>
-          <p:nvPr>
-            <p:ph type="sldImg" idx="2"/>
-          </p:nvPr>
-        </p:nvSpPr>
-        <p:spPr>
-          <a:xfrm>
-            <a:off x="381300" y="685800"/>
-            <a:ext cx="6096000" cy="3429000"/>
-          </a:xfrm>
-          <a:custGeom>
-            <a:avLst/>
-            <a:gdLst/>
-            <a:ahLst/>
-            <a:cxnLst/>
-            <a:rect l="l" t="t" r="r" b="b"/>
-            <a:pathLst>
-              <a:path w="120000" h="120000" extrusionOk="0">
-                <a:moveTo>
-                  <a:pt x="0" y="0"/>
-                </a:moveTo>
-                <a:lnTo>
-                  <a:pt x="120000" y="0"/>
-                </a:lnTo>
-                <a:lnTo>
-                  <a:pt x="120000" y="120000"/>
-                </a:lnTo>
-                <a:lnTo>
-                  <a:pt x="0" y="120000"/>
-                </a:lnTo>
-                <a:close/>
-              </a:path>
-            </a:pathLst>
-          </a:custGeom>
-        </p:spPr>
-      </p:sp>
-      <p:sp>
-        <p:nvSpPr>
-          <p:cNvPr id="102" name="Google Shape;102;g74b217b696_0_10:notes"/>
-          <p:cNvSpPr txBox="1">
-            <a:spLocks noGrp="1"/>
-          </p:cNvSpPr>
-          <p:nvPr>
-            <p:ph type="body" idx="1"/>
-          </p:nvPr>
-        </p:nvSpPr>
-        <p:spPr>
-          <a:xfrm>
-            <a:off x="685800" y="4343400"/>
-            <a:ext cx="5486400" cy="4114800"/>
-          </a:xfrm>
-          <a:prstGeom prst="rect">
-            <a:avLst/>
-          </a:prstGeom>
-        </p:spPr>
-        <p:txBody>
-          <a:bodyPr spcFirstLastPara="1" wrap="square" lIns="91425" tIns="91425" rIns="91425" bIns="91425" anchor="t" anchorCtr="0">
-            <a:noAutofit/>
-          </a:bodyPr>
-          <a:lstStyle/>
-          <a:p>
-            <a:pPr marL="0" lvl="0" indent="0" algn="l" rtl="0">
-              <a:spcBef>
-                <a:spcPts val="0"/>
-              </a:spcBef>
-              <a:spcAft>
-                <a:spcPts val="0"/>
-              </a:spcAft>
-              <a:buNone/>
-            </a:pPr>
-            <a:endParaRPr/>
-          </a:p>
-        </p:txBody>
-      </p:sp>
-    </p:spTree>
-  </p:cSld>
-  <p:clrMapOvr>
-    <a:masterClrMapping/>
-  </p:clrMapOvr>
-</p:notes>
-</file>
-
-<file path=ppt/notesSlides/notesSlide5.xml><?xml version="1.0" encoding="utf-8"?>
-<p:notes xmlns:a="http://schemas.openxmlformats.org/drawingml/2006/main" xmlns:r="http://schemas.openxmlformats.org/officeDocument/2006/relationships" xmlns:p="http://schemas.openxmlformats.org/presentationml/2006/main" showMasterSp="0" showMasterPhAnim="0">
-  <p:cSld>
-    <p:spTree>
-      <p:nvGrpSpPr>
-        <p:cNvPr id="1" name="Shape 107"/>
-        <p:cNvGrpSpPr/>
-        <p:nvPr/>
-      </p:nvGrpSpPr>
-      <p:grpSpPr>
-        <a:xfrm>
-          <a:off x="0" y="0"/>
-          <a:ext cx="0" cy="0"/>
-          <a:chOff x="0" y="0"/>
-          <a:chExt cx="0" cy="0"/>
-        </a:xfrm>
-      </p:grpSpPr>
-      <p:sp>
-        <p:nvSpPr>
-          <p:cNvPr id="108" name="Google Shape;108;g74b217b696_0_32:notes"/>
-          <p:cNvSpPr>
-            <a:spLocks noGrp="1" noRot="1" noChangeAspect="1"/>
-          </p:cNvSpPr>
-          <p:nvPr>
-            <p:ph type="sldImg" idx="2"/>
-          </p:nvPr>
-        </p:nvSpPr>
-        <p:spPr>
-          <a:xfrm>
-            <a:off x="381300" y="685800"/>
-            <a:ext cx="6096000" cy="3429000"/>
-          </a:xfrm>
-          <a:custGeom>
-            <a:avLst/>
-            <a:gdLst/>
-            <a:ahLst/>
-            <a:cxnLst/>
-            <a:rect l="l" t="t" r="r" b="b"/>
-            <a:pathLst>
-              <a:path w="120000" h="120000" extrusionOk="0">
-                <a:moveTo>
-                  <a:pt x="0" y="0"/>
-                </a:moveTo>
-                <a:lnTo>
-                  <a:pt x="120000" y="0"/>
-                </a:lnTo>
-                <a:lnTo>
-                  <a:pt x="120000" y="120000"/>
-                </a:lnTo>
-                <a:lnTo>
-                  <a:pt x="0" y="120000"/>
-                </a:lnTo>
-                <a:close/>
-              </a:path>
-            </a:pathLst>
-          </a:custGeom>
-        </p:spPr>
-      </p:sp>
-      <p:sp>
-        <p:nvSpPr>
-          <p:cNvPr id="109" name="Google Shape;109;g74b217b696_0_32:notes"/>
-          <p:cNvSpPr txBox="1">
-            <a:spLocks noGrp="1"/>
-          </p:cNvSpPr>
-          <p:nvPr>
-            <p:ph type="body" idx="1"/>
-          </p:nvPr>
-        </p:nvSpPr>
-        <p:spPr>
-          <a:xfrm>
-            <a:off x="685800" y="4343400"/>
-            <a:ext cx="5486400" cy="4114800"/>
-          </a:xfrm>
-          <a:prstGeom prst="rect">
-            <a:avLst/>
-          </a:prstGeom>
-        </p:spPr>
-        <p:txBody>
-          <a:bodyPr spcFirstLastPara="1" wrap="square" lIns="91425" tIns="91425" rIns="91425" bIns="91425" anchor="t" anchorCtr="0">
-            <a:noAutofit/>
-          </a:bodyPr>
-          <a:lstStyle/>
-          <a:p>
-            <a:pPr marL="0" lvl="0" indent="0" algn="l" rtl="0">
-              <a:spcBef>
-                <a:spcPts val="0"/>
-              </a:spcBef>
-              <a:spcAft>
-                <a:spcPts val="0"/>
-              </a:spcAft>
-              <a:buNone/>
-            </a:pPr>
-            <a:endParaRPr/>
-          </a:p>
-        </p:txBody>
-      </p:sp>
-    </p:spTree>
-  </p:cSld>
-  <p:clrMapOvr>
-    <a:masterClrMapping/>
-  </p:clrMapOvr>
-</p:notes>
-</file>
-
-<file path=ppt/notesSlides/notesSlide6.xml><?xml version="1.0" encoding="utf-8"?>
-<p:notes xmlns:a="http://schemas.openxmlformats.org/drawingml/2006/main" xmlns:r="http://schemas.openxmlformats.org/officeDocument/2006/relationships" xmlns:p="http://schemas.openxmlformats.org/presentationml/2006/main" showMasterSp="0" showMasterPhAnim="0">
-  <p:cSld>
-    <p:spTree>
-      <p:nvGrpSpPr>
-        <p:cNvPr id="1" name="Shape 114"/>
-        <p:cNvGrpSpPr/>
-        <p:nvPr/>
-      </p:nvGrpSpPr>
-      <p:grpSpPr>
-        <a:xfrm>
-          <a:off x="0" y="0"/>
-          <a:ext cx="0" cy="0"/>
-          <a:chOff x="0" y="0"/>
-          <a:chExt cx="0" cy="0"/>
-        </a:xfrm>
-      </p:grpSpPr>
-      <p:sp>
-        <p:nvSpPr>
-          <p:cNvPr id="115" name="Google Shape;115;g74b217b696_0_37:notes"/>
-          <p:cNvSpPr>
-            <a:spLocks noGrp="1" noRot="1" noChangeAspect="1"/>
-          </p:cNvSpPr>
-          <p:nvPr>
-            <p:ph type="sldImg" idx="2"/>
-          </p:nvPr>
-        </p:nvSpPr>
-        <p:spPr>
-          <a:xfrm>
-            <a:off x="381300" y="685800"/>
-            <a:ext cx="6096000" cy="3429000"/>
-          </a:xfrm>
-          <a:custGeom>
-            <a:avLst/>
-            <a:gdLst/>
-            <a:ahLst/>
-            <a:cxnLst/>
-            <a:rect l="l" t="t" r="r" b="b"/>
-            <a:pathLst>
-              <a:path w="120000" h="120000" extrusionOk="0">
-                <a:moveTo>
-                  <a:pt x="0" y="0"/>
-                </a:moveTo>
-                <a:lnTo>
-                  <a:pt x="120000" y="0"/>
-                </a:lnTo>
-                <a:lnTo>
-                  <a:pt x="120000" y="120000"/>
-                </a:lnTo>
-                <a:lnTo>
-                  <a:pt x="0" y="120000"/>
-                </a:lnTo>
-                <a:close/>
-              </a:path>
-            </a:pathLst>
-          </a:custGeom>
-        </p:spPr>
-      </p:sp>
-      <p:sp>
-        <p:nvSpPr>
-          <p:cNvPr id="116" name="Google Shape;116;g74b217b696_0_37:notes"/>
-          <p:cNvSpPr txBox="1">
-            <a:spLocks noGrp="1"/>
-          </p:cNvSpPr>
-          <p:nvPr>
-            <p:ph type="body" idx="1"/>
-          </p:nvPr>
-        </p:nvSpPr>
-        <p:spPr>
-          <a:xfrm>
-            <a:off x="685800" y="4343400"/>
-            <a:ext cx="5486400" cy="4114800"/>
-          </a:xfrm>
-          <a:prstGeom prst="rect">
-            <a:avLst/>
-          </a:prstGeom>
-        </p:spPr>
-        <p:txBody>
-          <a:bodyPr spcFirstLastPara="1" wrap="square" lIns="91425" tIns="91425" rIns="91425" bIns="91425" anchor="t" anchorCtr="0">
-            <a:noAutofit/>
-          </a:bodyPr>
-          <a:lstStyle/>
-          <a:p>
-            <a:pPr marL="0" lvl="0" indent="0" algn="l" rtl="0">
-              <a:spcBef>
-                <a:spcPts val="0"/>
-              </a:spcBef>
-              <a:spcAft>
-                <a:spcPts val="0"/>
-              </a:spcAft>
-              <a:buNone/>
-            </a:pPr>
-            <a:endParaRPr/>
-          </a:p>
-        </p:txBody>
-      </p:sp>
-    </p:spTree>
-  </p:cSld>
-  <p:clrMapOvr>
-    <a:masterClrMapping/>
-  </p:clrMapOvr>
-</p:notes>
-</file>
-
-<file path=ppt/notesSlides/notesSlide7.xml><?xml version="1.0" encoding="utf-8"?>
-<p:notes xmlns:a="http://schemas.openxmlformats.org/drawingml/2006/main" xmlns:r="http://schemas.openxmlformats.org/officeDocument/2006/relationships" xmlns:p="http://schemas.openxmlformats.org/presentationml/2006/main" showMasterSp="0" showMasterPhAnim="0">
-  <p:cSld>
-    <p:spTree>
-      <p:nvGrpSpPr>
-        <p:cNvPr id="1" name="Shape 121"/>
-        <p:cNvGrpSpPr/>
-        <p:nvPr/>
-      </p:nvGrpSpPr>
-      <p:grpSpPr>
-        <a:xfrm>
-          <a:off x="0" y="0"/>
-          <a:ext cx="0" cy="0"/>
-          <a:chOff x="0" y="0"/>
-          <a:chExt cx="0" cy="0"/>
-        </a:xfrm>
-      </p:grpSpPr>
-      <p:sp>
-        <p:nvSpPr>
-          <p:cNvPr id="122" name="Google Shape;122;g74b217b696_0_42:notes"/>
-          <p:cNvSpPr>
-            <a:spLocks noGrp="1" noRot="1" noChangeAspect="1"/>
-          </p:cNvSpPr>
-          <p:nvPr>
-            <p:ph type="sldImg" idx="2"/>
-          </p:nvPr>
-        </p:nvSpPr>
-        <p:spPr>
-          <a:xfrm>
-            <a:off x="381300" y="685800"/>
-            <a:ext cx="6096000" cy="3429000"/>
-          </a:xfrm>
-          <a:custGeom>
-            <a:avLst/>
-            <a:gdLst/>
-            <a:ahLst/>
-            <a:cxnLst/>
-            <a:rect l="l" t="t" r="r" b="b"/>
-            <a:pathLst>
-              <a:path w="120000" h="120000" extrusionOk="0">
-                <a:moveTo>
-                  <a:pt x="0" y="0"/>
-                </a:moveTo>
-                <a:lnTo>
-                  <a:pt x="120000" y="0"/>
-                </a:lnTo>
-                <a:lnTo>
-                  <a:pt x="120000" y="120000"/>
-                </a:lnTo>
-                <a:lnTo>
-                  <a:pt x="0" y="120000"/>
-                </a:lnTo>
-                <a:close/>
-              </a:path>
-            </a:pathLst>
-          </a:custGeom>
-        </p:spPr>
-      </p:sp>
-      <p:sp>
-        <p:nvSpPr>
-          <p:cNvPr id="123" name="Google Shape;123;g74b217b696_0_42:notes"/>
-          <p:cNvSpPr txBox="1">
-            <a:spLocks noGrp="1"/>
-          </p:cNvSpPr>
-          <p:nvPr>
-            <p:ph type="body" idx="1"/>
-          </p:nvPr>
-        </p:nvSpPr>
-        <p:spPr>
-          <a:xfrm>
-            <a:off x="685800" y="4343400"/>
-            <a:ext cx="5486400" cy="4114800"/>
-          </a:xfrm>
-          <a:prstGeom prst="rect">
-            <a:avLst/>
-          </a:prstGeom>
-        </p:spPr>
-        <p:txBody>
-          <a:bodyPr spcFirstLastPara="1" wrap="square" lIns="91425" tIns="91425" rIns="91425" bIns="91425" anchor="t" anchorCtr="0">
-            <a:noAutofit/>
-          </a:bodyPr>
-          <a:lstStyle/>
-          <a:p>
-            <a:pPr marL="0" lvl="0" indent="0" algn="l" rtl="0">
-              <a:spcBef>
-                <a:spcPts val="0"/>
-              </a:spcBef>
-              <a:spcAft>
-                <a:spcPts val="0"/>
-              </a:spcAft>
-              <a:buNone/>
-            </a:pPr>
-            <a:endParaRPr/>
-          </a:p>
-        </p:txBody>
-      </p:sp>
-    </p:spTree>
-  </p:cSld>
-  <p:clrMapOvr>
-    <a:masterClrMapping/>
-  </p:clrMapOvr>
-</p:notes>
-</file>
-
-<file path=ppt/notesSlides/notesSlide8.xml><?xml version="1.0" encoding="utf-8"?>
-<p:notes xmlns:a="http://schemas.openxmlformats.org/drawingml/2006/main" xmlns:r="http://schemas.openxmlformats.org/officeDocument/2006/relationships" xmlns:p="http://schemas.openxmlformats.org/presentationml/2006/main" showMasterSp="0" showMasterPhAnim="0">
-  <p:cSld>
-    <p:spTree>
-      <p:nvGrpSpPr>
-        <p:cNvPr id="1" name="Shape 128"/>
-        <p:cNvGrpSpPr/>
-        <p:nvPr/>
-      </p:nvGrpSpPr>
-      <p:grpSpPr>
-        <a:xfrm>
-          <a:off x="0" y="0"/>
-          <a:ext cx="0" cy="0"/>
-          <a:chOff x="0" y="0"/>
-          <a:chExt cx="0" cy="0"/>
-        </a:xfrm>
-      </p:grpSpPr>
-      <p:sp>
-        <p:nvSpPr>
-          <p:cNvPr id="129" name="Google Shape;129;g74b217b696_0_15:notes"/>
-          <p:cNvSpPr>
-            <a:spLocks noGrp="1" noRot="1" noChangeAspect="1"/>
-          </p:cNvSpPr>
-          <p:nvPr>
-            <p:ph type="sldImg" idx="2"/>
-          </p:nvPr>
-        </p:nvSpPr>
-        <p:spPr>
-          <a:xfrm>
-            <a:off x="381300" y="685800"/>
-            <a:ext cx="6096000" cy="3429000"/>
-          </a:xfrm>
-          <a:custGeom>
-            <a:avLst/>
-            <a:gdLst/>
-            <a:ahLst/>
-            <a:cxnLst/>
-            <a:rect l="l" t="t" r="r" b="b"/>
-            <a:pathLst>
-              <a:path w="120000" h="120000" extrusionOk="0">
-                <a:moveTo>
-                  <a:pt x="0" y="0"/>
-                </a:moveTo>
-                <a:lnTo>
-                  <a:pt x="120000" y="0"/>
-                </a:lnTo>
-                <a:lnTo>
-                  <a:pt x="120000" y="120000"/>
-                </a:lnTo>
-                <a:lnTo>
-                  <a:pt x="0" y="120000"/>
-                </a:lnTo>
-                <a:close/>
-              </a:path>
-            </a:pathLst>
-          </a:custGeom>
-        </p:spPr>
-      </p:sp>
-      <p:sp>
-        <p:nvSpPr>
-          <p:cNvPr id="130" name="Google Shape;130;g74b217b696_0_15:notes"/>
-          <p:cNvSpPr txBox="1">
-            <a:spLocks noGrp="1"/>
-          </p:cNvSpPr>
-          <p:nvPr>
-            <p:ph type="body" idx="1"/>
-          </p:nvPr>
-        </p:nvSpPr>
-        <p:spPr>
-          <a:xfrm>
-            <a:off x="685800" y="4343400"/>
-            <a:ext cx="5486400" cy="4114800"/>
-          </a:xfrm>
-          <a:prstGeom prst="rect">
-            <a:avLst/>
-          </a:prstGeom>
-        </p:spPr>
-        <p:txBody>
-          <a:bodyPr spcFirstLastPara="1" wrap="square" lIns="91425" tIns="91425" rIns="91425" bIns="91425" anchor="t" anchorCtr="0">
-            <a:noAutofit/>
-          </a:bodyPr>
-          <a:lstStyle/>
-          <a:p>
-            <a:pPr marL="0" lvl="0" indent="0" algn="l" rtl="0">
-              <a:spcBef>
-                <a:spcPts val="0"/>
-              </a:spcBef>
-              <a:spcAft>
-                <a:spcPts val="0"/>
-              </a:spcAft>
-              <a:buNone/>
-            </a:pPr>
-            <a:endParaRPr/>
-          </a:p>
-        </p:txBody>
-      </p:sp>
-    </p:spTree>
-  </p:cSld>
-  <p:clrMapOvr>
-    <a:masterClrMapping/>
-  </p:clrMapOvr>
-</p:notes>
-</file>
-
-<file path=ppt/notesSlides/notesSlide9.xml><?xml version="1.0" encoding="utf-8"?>
-<p:notes xmlns:a="http://schemas.openxmlformats.org/drawingml/2006/main" xmlns:r="http://schemas.openxmlformats.org/officeDocument/2006/relationships" xmlns:p="http://schemas.openxmlformats.org/presentationml/2006/main" showMasterSp="0" showMasterPhAnim="0">
-  <p:cSld>
-    <p:spTree>
-      <p:nvGrpSpPr>
-        <p:cNvPr id="1" name="Shape 135"/>
-        <p:cNvGrpSpPr/>
-        <p:nvPr/>
-      </p:nvGrpSpPr>
-      <p:grpSpPr>
-        <a:xfrm>
-          <a:off x="0" y="0"/>
-          <a:ext cx="0" cy="0"/>
-          <a:chOff x="0" y="0"/>
-          <a:chExt cx="0" cy="0"/>
-        </a:xfrm>
-      </p:grpSpPr>
-      <p:sp>
-        <p:nvSpPr>
-          <p:cNvPr id="136" name="Google Shape;136;g74b217b696_0_25:notes"/>
-          <p:cNvSpPr>
-            <a:spLocks noGrp="1" noRot="1" noChangeAspect="1"/>
-          </p:cNvSpPr>
-          <p:nvPr>
-            <p:ph type="sldImg" idx="2"/>
-          </p:nvPr>
-        </p:nvSpPr>
-        <p:spPr>
-          <a:xfrm>
-            <a:off x="381300" y="685800"/>
-            <a:ext cx="6096000" cy="3429000"/>
-          </a:xfrm>
-          <a:custGeom>
-            <a:avLst/>
-            <a:gdLst/>
-            <a:ahLst/>
-            <a:cxnLst/>
-            <a:rect l="l" t="t" r="r" b="b"/>
-            <a:pathLst>
-              <a:path w="120000" h="120000" extrusionOk="0">
-                <a:moveTo>
-                  <a:pt x="0" y="0"/>
-                </a:moveTo>
-                <a:lnTo>
-                  <a:pt x="120000" y="0"/>
-                </a:lnTo>
-                <a:lnTo>
-                  <a:pt x="120000" y="120000"/>
-                </a:lnTo>
-                <a:lnTo>
-                  <a:pt x="0" y="120000"/>
-                </a:lnTo>
-                <a:close/>
-              </a:path>
-            </a:pathLst>
-          </a:custGeom>
-        </p:spPr>
-      </p:sp>
-      <p:sp>
-        <p:nvSpPr>
-          <p:cNvPr id="137" name="Google Shape;137;g74b217b696_0_25:notes"/>
           <p:cNvSpPr txBox="1">
             <a:spLocks noGrp="1"/>
           </p:cNvSpPr>
@@ -4195,110 +2134,6 @@
 </p:sldLayout>
 </file>
 
-<file path=ppt/slideLayouts/slideLayout11.xml><?xml version="1.0" encoding="utf-8"?>
-<p:sldLayout xmlns:a="http://schemas.openxmlformats.org/drawingml/2006/main" xmlns:r="http://schemas.openxmlformats.org/officeDocument/2006/relationships" xmlns:p="http://schemas.openxmlformats.org/presentationml/2006/main" matchingName="Blank" type="blank">
-  <p:cSld name="BLANK">
-    <p:spTree>
-      <p:nvGrpSpPr>
-        <p:cNvPr id="1" name="Shape 80"/>
-        <p:cNvGrpSpPr/>
-        <p:nvPr/>
-      </p:nvGrpSpPr>
-      <p:grpSpPr>
-        <a:xfrm>
-          <a:off x="0" y="0"/>
-          <a:ext cx="0" cy="0"/>
-          <a:chOff x="0" y="0"/>
-          <a:chExt cx="0" cy="0"/>
-        </a:xfrm>
-      </p:grpSpPr>
-      <p:sp>
-        <p:nvSpPr>
-          <p:cNvPr id="81" name="Google Shape;81;p12"/>
-          <p:cNvSpPr txBox="1">
-            <a:spLocks noGrp="1"/>
-          </p:cNvSpPr>
-          <p:nvPr>
-            <p:ph type="sldNum" idx="12"/>
-          </p:nvPr>
-        </p:nvSpPr>
-        <p:spPr>
-          <a:xfrm>
-            <a:off x="8536302" y="4749851"/>
-            <a:ext cx="548700" cy="393600"/>
-          </a:xfrm>
-          <a:prstGeom prst="rect">
-            <a:avLst/>
-          </a:prstGeom>
-        </p:spPr>
-        <p:txBody>
-          <a:bodyPr spcFirstLastPara="1" wrap="square" lIns="91425" tIns="91425" rIns="91425" bIns="91425" anchor="ctr" anchorCtr="0">
-            <a:noAutofit/>
-          </a:bodyPr>
-          <a:lstStyle>
-            <a:lvl1pPr lvl="0">
-              <a:buNone/>
-              <a:defRPr/>
-            </a:lvl1pPr>
-            <a:lvl2pPr lvl="1">
-              <a:buNone/>
-              <a:defRPr/>
-            </a:lvl2pPr>
-            <a:lvl3pPr lvl="2">
-              <a:buNone/>
-              <a:defRPr/>
-            </a:lvl3pPr>
-            <a:lvl4pPr lvl="3">
-              <a:buNone/>
-              <a:defRPr/>
-            </a:lvl4pPr>
-            <a:lvl5pPr lvl="4">
-              <a:buNone/>
-              <a:defRPr/>
-            </a:lvl5pPr>
-            <a:lvl6pPr lvl="5">
-              <a:buNone/>
-              <a:defRPr/>
-            </a:lvl6pPr>
-            <a:lvl7pPr lvl="6">
-              <a:buNone/>
-              <a:defRPr/>
-            </a:lvl7pPr>
-            <a:lvl8pPr lvl="7">
-              <a:buNone/>
-              <a:defRPr/>
-            </a:lvl8pPr>
-            <a:lvl9pPr lvl="8">
-              <a:buNone/>
-              <a:defRPr/>
-            </a:lvl9pPr>
-          </a:lstStyle>
-          <a:p>
-            <a:pPr marL="0" lvl="0" indent="0" algn="r" rtl="0">
-              <a:spcBef>
-                <a:spcPts val="0"/>
-              </a:spcBef>
-              <a:spcAft>
-                <a:spcPts val="0"/>
-              </a:spcAft>
-              <a:buNone/>
-            </a:pPr>
-            <a:fld id="{00000000-1234-1234-1234-123412341234}" type="slidenum">
-              <a:rPr lang="en"/>
-              <a:t>‹#›</a:t>
-            </a:fld>
-            <a:endParaRPr/>
-          </a:p>
-        </p:txBody>
-      </p:sp>
-    </p:spTree>
-  </p:cSld>
-  <p:clrMapOvr>
-    <a:masterClrMapping/>
-  </p:clrMapOvr>
-</p:sldLayout>
-</file>
-
 <file path=ppt/slideLayouts/slideLayout2.xml><?xml version="1.0" encoding="utf-8"?>
 <p:sldLayout xmlns:a="http://schemas.openxmlformats.org/drawingml/2006/main" xmlns:r="http://schemas.openxmlformats.org/officeDocument/2006/relationships" xmlns:p="http://schemas.openxmlformats.org/presentationml/2006/main" matchingName="Section header" type="secHead">
   <p:cSld name="SECTION_HEADER">
@@ -8908,7 +6743,6 @@
     <p:sldLayoutId id="2147483655" r:id="rId8"/>
     <p:sldLayoutId id="2147483656" r:id="rId9"/>
     <p:sldLayoutId id="2147483657" r:id="rId10"/>
-    <p:sldLayoutId id="2147483658" r:id="rId11"/>
   </p:sldLayoutIdLst>
   <p:hf sldNum="0" hdr="0" ftr="0" dt="0"/>
   <p:txStyles>
@@ -9728,596 +7562,6 @@
 </p:sld>
 </file>
 
-<file path=ppt/slides/slide10.xml><?xml version="1.0" encoding="utf-8"?>
-<p:sld xmlns:a="http://schemas.openxmlformats.org/drawingml/2006/main" xmlns:r="http://schemas.openxmlformats.org/officeDocument/2006/relationships" xmlns:p="http://schemas.openxmlformats.org/presentationml/2006/main">
-  <p:cSld>
-    <p:bg>
-      <p:bgPr>
-        <a:noFill/>
-        <a:effectLst/>
-      </p:bgPr>
-    </p:bg>
-    <p:spTree>
-      <p:nvGrpSpPr>
-        <p:cNvPr id="1" name="Shape 143"/>
-        <p:cNvGrpSpPr/>
-        <p:nvPr/>
-      </p:nvGrpSpPr>
-      <p:grpSpPr>
-        <a:xfrm>
-          <a:off x="0" y="0"/>
-          <a:ext cx="0" cy="0"/>
-          <a:chOff x="0" y="0"/>
-          <a:chExt cx="0" cy="0"/>
-        </a:xfrm>
-      </p:grpSpPr>
-      <p:pic>
-        <p:nvPicPr>
-          <p:cNvPr id="144" name="Google Shape;144;p22"/>
-          <p:cNvPicPr preferRelativeResize="0"/>
-          <p:nvPr/>
-        </p:nvPicPr>
-        <p:blipFill>
-          <a:blip r:embed="rId3">
-            <a:alphaModFix/>
-          </a:blip>
-          <a:stretch>
-            <a:fillRect/>
-          </a:stretch>
-        </p:blipFill>
-        <p:spPr>
-          <a:xfrm>
-            <a:off x="0" y="0"/>
-            <a:ext cx="9143976" cy="5143500"/>
-          </a:xfrm>
-          <a:prstGeom prst="rect">
-            <a:avLst/>
-          </a:prstGeom>
-          <a:noFill/>
-          <a:ln>
-            <a:noFill/>
-          </a:ln>
-        </p:spPr>
-      </p:pic>
-    </p:spTree>
-  </p:cSld>
-  <p:clrMapOvr>
-    <a:masterClrMapping/>
-  </p:clrMapOvr>
-</p:sld>
-</file>
-
-<file path=ppt/slides/slide11.xml><?xml version="1.0" encoding="utf-8"?>
-<p:sld xmlns:a="http://schemas.openxmlformats.org/drawingml/2006/main" xmlns:r="http://schemas.openxmlformats.org/officeDocument/2006/relationships" xmlns:p="http://schemas.openxmlformats.org/presentationml/2006/main">
-  <p:cSld>
-    <p:bg>
-      <p:bgPr>
-        <a:noFill/>
-        <a:effectLst/>
-      </p:bgPr>
-    </p:bg>
-    <p:spTree>
-      <p:nvGrpSpPr>
-        <p:cNvPr id="1" name="Shape 148"/>
-        <p:cNvGrpSpPr/>
-        <p:nvPr/>
-      </p:nvGrpSpPr>
-      <p:grpSpPr>
-        <a:xfrm>
-          <a:off x="0" y="0"/>
-          <a:ext cx="0" cy="0"/>
-          <a:chOff x="0" y="0"/>
-          <a:chExt cx="0" cy="0"/>
-        </a:xfrm>
-      </p:grpSpPr>
-      <p:pic>
-        <p:nvPicPr>
-          <p:cNvPr id="149" name="Google Shape;149;p23"/>
-          <p:cNvPicPr preferRelativeResize="0"/>
-          <p:nvPr/>
-        </p:nvPicPr>
-        <p:blipFill>
-          <a:blip r:embed="rId3">
-            <a:alphaModFix/>
-          </a:blip>
-          <a:stretch>
-            <a:fillRect/>
-          </a:stretch>
-        </p:blipFill>
-        <p:spPr>
-          <a:xfrm>
-            <a:off x="0" y="0"/>
-            <a:ext cx="9144000" cy="5143500"/>
-          </a:xfrm>
-          <a:prstGeom prst="rect">
-            <a:avLst/>
-          </a:prstGeom>
-          <a:noFill/>
-          <a:ln>
-            <a:noFill/>
-          </a:ln>
-        </p:spPr>
-      </p:pic>
-    </p:spTree>
-  </p:cSld>
-  <p:clrMapOvr>
-    <a:masterClrMapping/>
-  </p:clrMapOvr>
-</p:sld>
-</file>
-
-<file path=ppt/slides/slide12.xml><?xml version="1.0" encoding="utf-8"?>
-<p:sld xmlns:a="http://schemas.openxmlformats.org/drawingml/2006/main" xmlns:r="http://schemas.openxmlformats.org/officeDocument/2006/relationships" xmlns:p="http://schemas.openxmlformats.org/presentationml/2006/main">
-  <p:cSld>
-    <p:bg>
-      <p:bgPr>
-        <a:noFill/>
-        <a:effectLst/>
-      </p:bgPr>
-    </p:bg>
-    <p:spTree>
-      <p:nvGrpSpPr>
-        <p:cNvPr id="1" name="Shape 153"/>
-        <p:cNvGrpSpPr/>
-        <p:nvPr/>
-      </p:nvGrpSpPr>
-      <p:grpSpPr>
-        <a:xfrm>
-          <a:off x="0" y="0"/>
-          <a:ext cx="0" cy="0"/>
-          <a:chOff x="0" y="0"/>
-          <a:chExt cx="0" cy="0"/>
-        </a:xfrm>
-      </p:grpSpPr>
-      <p:pic>
-        <p:nvPicPr>
-          <p:cNvPr id="154" name="Google Shape;154;p24"/>
-          <p:cNvPicPr preferRelativeResize="0"/>
-          <p:nvPr/>
-        </p:nvPicPr>
-        <p:blipFill>
-          <a:blip r:embed="rId3">
-            <a:alphaModFix/>
-          </a:blip>
-          <a:stretch>
-            <a:fillRect/>
-          </a:stretch>
-        </p:blipFill>
-        <p:spPr>
-          <a:xfrm>
-            <a:off x="0" y="0"/>
-            <a:ext cx="9143990" cy="5143500"/>
-          </a:xfrm>
-          <a:prstGeom prst="rect">
-            <a:avLst/>
-          </a:prstGeom>
-          <a:noFill/>
-          <a:ln>
-            <a:noFill/>
-          </a:ln>
-        </p:spPr>
-      </p:pic>
-    </p:spTree>
-  </p:cSld>
-  <p:clrMapOvr>
-    <a:masterClrMapping/>
-  </p:clrMapOvr>
-</p:sld>
-</file>
-
-<file path=ppt/slides/slide13.xml><?xml version="1.0" encoding="utf-8"?>
-<p:sld xmlns:a="http://schemas.openxmlformats.org/drawingml/2006/main" xmlns:r="http://schemas.openxmlformats.org/officeDocument/2006/relationships" xmlns:p="http://schemas.openxmlformats.org/presentationml/2006/main">
-  <p:cSld>
-    <p:bg>
-      <p:bgPr>
-        <a:noFill/>
-        <a:effectLst/>
-      </p:bgPr>
-    </p:bg>
-    <p:spTree>
-      <p:nvGrpSpPr>
-        <p:cNvPr id="1" name="Shape 158"/>
-        <p:cNvGrpSpPr/>
-        <p:nvPr/>
-      </p:nvGrpSpPr>
-      <p:grpSpPr>
-        <a:xfrm>
-          <a:off x="0" y="0"/>
-          <a:ext cx="0" cy="0"/>
-          <a:chOff x="0" y="0"/>
-          <a:chExt cx="0" cy="0"/>
-        </a:xfrm>
-      </p:grpSpPr>
-      <p:pic>
-        <p:nvPicPr>
-          <p:cNvPr id="159" name="Google Shape;159;p25"/>
-          <p:cNvPicPr preferRelativeResize="0"/>
-          <p:nvPr/>
-        </p:nvPicPr>
-        <p:blipFill>
-          <a:blip r:embed="rId3">
-            <a:alphaModFix/>
-          </a:blip>
-          <a:stretch>
-            <a:fillRect/>
-          </a:stretch>
-        </p:blipFill>
-        <p:spPr>
-          <a:xfrm>
-            <a:off x="13" y="0"/>
-            <a:ext cx="9143981" cy="5143500"/>
-          </a:xfrm>
-          <a:prstGeom prst="rect">
-            <a:avLst/>
-          </a:prstGeom>
-          <a:noFill/>
-          <a:ln>
-            <a:noFill/>
-          </a:ln>
-        </p:spPr>
-      </p:pic>
-    </p:spTree>
-  </p:cSld>
-  <p:clrMapOvr>
-    <a:masterClrMapping/>
-  </p:clrMapOvr>
-</p:sld>
-</file>
-
-<file path=ppt/slides/slide14.xml><?xml version="1.0" encoding="utf-8"?>
-<p:sld xmlns:a="http://schemas.openxmlformats.org/drawingml/2006/main" xmlns:r="http://schemas.openxmlformats.org/officeDocument/2006/relationships" xmlns:p="http://schemas.openxmlformats.org/presentationml/2006/main">
-  <p:cSld>
-    <p:bg>
-      <p:bgPr>
-        <a:noFill/>
-        <a:effectLst/>
-      </p:bgPr>
-    </p:bg>
-    <p:spTree>
-      <p:nvGrpSpPr>
-        <p:cNvPr id="1" name="Shape 163"/>
-        <p:cNvGrpSpPr/>
-        <p:nvPr/>
-      </p:nvGrpSpPr>
-      <p:grpSpPr>
-        <a:xfrm>
-          <a:off x="0" y="0"/>
-          <a:ext cx="0" cy="0"/>
-          <a:chOff x="0" y="0"/>
-          <a:chExt cx="0" cy="0"/>
-        </a:xfrm>
-      </p:grpSpPr>
-      <p:pic>
-        <p:nvPicPr>
-          <p:cNvPr id="164" name="Google Shape;164;p26"/>
-          <p:cNvPicPr preferRelativeResize="0"/>
-          <p:nvPr/>
-        </p:nvPicPr>
-        <p:blipFill>
-          <a:blip r:embed="rId3">
-            <a:alphaModFix/>
-          </a:blip>
-          <a:stretch>
-            <a:fillRect/>
-          </a:stretch>
-        </p:blipFill>
-        <p:spPr>
-          <a:xfrm>
-            <a:off x="0" y="0"/>
-            <a:ext cx="9144000" cy="5143505"/>
-          </a:xfrm>
-          <a:prstGeom prst="rect">
-            <a:avLst/>
-          </a:prstGeom>
-          <a:noFill/>
-          <a:ln>
-            <a:noFill/>
-          </a:ln>
-        </p:spPr>
-      </p:pic>
-    </p:spTree>
-  </p:cSld>
-  <p:clrMapOvr>
-    <a:masterClrMapping/>
-  </p:clrMapOvr>
-</p:sld>
-</file>
-
-<file path=ppt/slides/slide15.xml><?xml version="1.0" encoding="utf-8"?>
-<p:sld xmlns:a="http://schemas.openxmlformats.org/drawingml/2006/main" xmlns:r="http://schemas.openxmlformats.org/officeDocument/2006/relationships" xmlns:p="http://schemas.openxmlformats.org/presentationml/2006/main">
-  <p:cSld>
-    <p:bg>
-      <p:bgPr>
-        <a:noFill/>
-        <a:effectLst/>
-      </p:bgPr>
-    </p:bg>
-    <p:spTree>
-      <p:nvGrpSpPr>
-        <p:cNvPr id="1" name="Shape 168"/>
-        <p:cNvGrpSpPr/>
-        <p:nvPr/>
-      </p:nvGrpSpPr>
-      <p:grpSpPr>
-        <a:xfrm>
-          <a:off x="0" y="0"/>
-          <a:ext cx="0" cy="0"/>
-          <a:chOff x="0" y="0"/>
-          <a:chExt cx="0" cy="0"/>
-        </a:xfrm>
-      </p:grpSpPr>
-      <p:pic>
-        <p:nvPicPr>
-          <p:cNvPr id="169" name="Google Shape;169;p27"/>
-          <p:cNvPicPr preferRelativeResize="0"/>
-          <p:nvPr/>
-        </p:nvPicPr>
-        <p:blipFill>
-          <a:blip r:embed="rId3">
-            <a:alphaModFix/>
-          </a:blip>
-          <a:stretch>
-            <a:fillRect/>
-          </a:stretch>
-        </p:blipFill>
-        <p:spPr>
-          <a:xfrm>
-            <a:off x="0" y="0"/>
-            <a:ext cx="9143990" cy="5143500"/>
-          </a:xfrm>
-          <a:prstGeom prst="rect">
-            <a:avLst/>
-          </a:prstGeom>
-          <a:noFill/>
-          <a:ln>
-            <a:noFill/>
-          </a:ln>
-        </p:spPr>
-      </p:pic>
-    </p:spTree>
-  </p:cSld>
-  <p:clrMapOvr>
-    <a:masterClrMapping/>
-  </p:clrMapOvr>
-</p:sld>
-</file>
-
-<file path=ppt/slides/slide16.xml><?xml version="1.0" encoding="utf-8"?>
-<p:sld xmlns:a="http://schemas.openxmlformats.org/drawingml/2006/main" xmlns:r="http://schemas.openxmlformats.org/officeDocument/2006/relationships" xmlns:p="http://schemas.openxmlformats.org/presentationml/2006/main">
-  <p:cSld>
-    <p:bg>
-      <p:bgPr>
-        <a:noFill/>
-        <a:effectLst/>
-      </p:bgPr>
-    </p:bg>
-    <p:spTree>
-      <p:nvGrpSpPr>
-        <p:cNvPr id="1" name="Shape 173"/>
-        <p:cNvGrpSpPr/>
-        <p:nvPr/>
-      </p:nvGrpSpPr>
-      <p:grpSpPr>
-        <a:xfrm>
-          <a:off x="0" y="0"/>
-          <a:ext cx="0" cy="0"/>
-          <a:chOff x="0" y="0"/>
-          <a:chExt cx="0" cy="0"/>
-        </a:xfrm>
-      </p:grpSpPr>
-      <p:pic>
-        <p:nvPicPr>
-          <p:cNvPr id="174" name="Google Shape;174;p28"/>
-          <p:cNvPicPr preferRelativeResize="0"/>
-          <p:nvPr/>
-        </p:nvPicPr>
-        <p:blipFill>
-          <a:blip r:embed="rId3">
-            <a:alphaModFix/>
-          </a:blip>
-          <a:stretch>
-            <a:fillRect/>
-          </a:stretch>
-        </p:blipFill>
-        <p:spPr>
-          <a:xfrm>
-            <a:off x="0" y="0"/>
-            <a:ext cx="9144000" cy="5143511"/>
-          </a:xfrm>
-          <a:prstGeom prst="rect">
-            <a:avLst/>
-          </a:prstGeom>
-          <a:noFill/>
-          <a:ln>
-            <a:noFill/>
-          </a:ln>
-        </p:spPr>
-      </p:pic>
-    </p:spTree>
-  </p:cSld>
-  <p:clrMapOvr>
-    <a:masterClrMapping/>
-  </p:clrMapOvr>
-</p:sld>
-</file>
-
-<file path=ppt/slides/slide17.xml><?xml version="1.0" encoding="utf-8"?>
-<p:sld xmlns:a="http://schemas.openxmlformats.org/drawingml/2006/main" xmlns:r="http://schemas.openxmlformats.org/officeDocument/2006/relationships" xmlns:p="http://schemas.openxmlformats.org/presentationml/2006/main">
-  <p:cSld>
-    <p:bg>
-      <p:bgPr>
-        <a:noFill/>
-        <a:effectLst/>
-      </p:bgPr>
-    </p:bg>
-    <p:spTree>
-      <p:nvGrpSpPr>
-        <p:cNvPr id="1" name="Shape 178"/>
-        <p:cNvGrpSpPr/>
-        <p:nvPr/>
-      </p:nvGrpSpPr>
-      <p:grpSpPr>
-        <a:xfrm>
-          <a:off x="0" y="0"/>
-          <a:ext cx="0" cy="0"/>
-          <a:chOff x="0" y="0"/>
-          <a:chExt cx="0" cy="0"/>
-        </a:xfrm>
-      </p:grpSpPr>
-      <p:pic>
-        <p:nvPicPr>
-          <p:cNvPr id="179" name="Google Shape;179;p29"/>
-          <p:cNvPicPr preferRelativeResize="0"/>
-          <p:nvPr/>
-        </p:nvPicPr>
-        <p:blipFill>
-          <a:blip r:embed="rId3">
-            <a:alphaModFix/>
-          </a:blip>
-          <a:stretch>
-            <a:fillRect/>
-          </a:stretch>
-        </p:blipFill>
-        <p:spPr>
-          <a:xfrm>
-            <a:off x="0" y="0"/>
-            <a:ext cx="9144000" cy="5143505"/>
-          </a:xfrm>
-          <a:prstGeom prst="rect">
-            <a:avLst/>
-          </a:prstGeom>
-          <a:noFill/>
-          <a:ln>
-            <a:noFill/>
-          </a:ln>
-        </p:spPr>
-      </p:pic>
-    </p:spTree>
-  </p:cSld>
-  <p:clrMapOvr>
-    <a:masterClrMapping/>
-  </p:clrMapOvr>
-</p:sld>
-</file>
-
-<file path=ppt/slides/slide18.xml><?xml version="1.0" encoding="utf-8"?>
-<p:sld xmlns:a="http://schemas.openxmlformats.org/drawingml/2006/main" xmlns:r="http://schemas.openxmlformats.org/officeDocument/2006/relationships" xmlns:p="http://schemas.openxmlformats.org/presentationml/2006/main">
-  <p:cSld>
-    <p:bg>
-      <p:bgPr>
-        <a:noFill/>
-        <a:effectLst/>
-      </p:bgPr>
-    </p:bg>
-    <p:spTree>
-      <p:nvGrpSpPr>
-        <p:cNvPr id="1" name="Shape 183"/>
-        <p:cNvGrpSpPr/>
-        <p:nvPr/>
-      </p:nvGrpSpPr>
-      <p:grpSpPr>
-        <a:xfrm>
-          <a:off x="0" y="0"/>
-          <a:ext cx="0" cy="0"/>
-          <a:chOff x="0" y="0"/>
-          <a:chExt cx="0" cy="0"/>
-        </a:xfrm>
-      </p:grpSpPr>
-      <p:pic>
-        <p:nvPicPr>
-          <p:cNvPr id="184" name="Google Shape;184;p30"/>
-          <p:cNvPicPr preferRelativeResize="0"/>
-          <p:nvPr/>
-        </p:nvPicPr>
-        <p:blipFill>
-          <a:blip r:embed="rId3">
-            <a:alphaModFix/>
-          </a:blip>
-          <a:stretch>
-            <a:fillRect/>
-          </a:stretch>
-        </p:blipFill>
-        <p:spPr>
-          <a:xfrm>
-            <a:off x="0" y="0"/>
-            <a:ext cx="9144000" cy="5143511"/>
-          </a:xfrm>
-          <a:prstGeom prst="rect">
-            <a:avLst/>
-          </a:prstGeom>
-          <a:noFill/>
-          <a:ln>
-            <a:noFill/>
-          </a:ln>
-        </p:spPr>
-      </p:pic>
-    </p:spTree>
-  </p:cSld>
-  <p:clrMapOvr>
-    <a:masterClrMapping/>
-  </p:clrMapOvr>
-</p:sld>
-</file>
-
-<file path=ppt/slides/slide19.xml><?xml version="1.0" encoding="utf-8"?>
-<p:sld xmlns:a="http://schemas.openxmlformats.org/drawingml/2006/main" xmlns:r="http://schemas.openxmlformats.org/officeDocument/2006/relationships" xmlns:p="http://schemas.openxmlformats.org/presentationml/2006/main">
-  <p:cSld>
-    <p:bg>
-      <p:bgPr>
-        <a:noFill/>
-        <a:effectLst/>
-      </p:bgPr>
-    </p:bg>
-    <p:spTree>
-      <p:nvGrpSpPr>
-        <p:cNvPr id="1" name="Shape 188"/>
-        <p:cNvGrpSpPr/>
-        <p:nvPr/>
-      </p:nvGrpSpPr>
-      <p:grpSpPr>
-        <a:xfrm>
-          <a:off x="0" y="0"/>
-          <a:ext cx="0" cy="0"/>
-          <a:chOff x="0" y="0"/>
-          <a:chExt cx="0" cy="0"/>
-        </a:xfrm>
-      </p:grpSpPr>
-      <p:pic>
-        <p:nvPicPr>
-          <p:cNvPr id="189" name="Google Shape;189;p31"/>
-          <p:cNvPicPr preferRelativeResize="0"/>
-          <p:nvPr/>
-        </p:nvPicPr>
-        <p:blipFill>
-          <a:blip r:embed="rId3">
-            <a:alphaModFix/>
-          </a:blip>
-          <a:stretch>
-            <a:fillRect/>
-          </a:stretch>
-        </p:blipFill>
-        <p:spPr>
-          <a:xfrm>
-            <a:off x="0" y="0"/>
-            <a:ext cx="9144000" cy="5143505"/>
-          </a:xfrm>
-          <a:prstGeom prst="rect">
-            <a:avLst/>
-          </a:prstGeom>
-          <a:noFill/>
-          <a:ln>
-            <a:noFill/>
-          </a:ln>
-        </p:spPr>
-      </p:pic>
-    </p:spTree>
-  </p:cSld>
-  <p:clrMapOvr>
-    <a:masterClrMapping/>
-  </p:clrMapOvr>
-</p:sld>
-</file>
-
 <file path=ppt/slides/slide2.xml><?xml version="1.0" encoding="utf-8"?>
 <p:sld xmlns:a="http://schemas.openxmlformats.org/drawingml/2006/main" xmlns:r="http://schemas.openxmlformats.org/officeDocument/2006/relationships" xmlns:p="http://schemas.openxmlformats.org/presentationml/2006/main">
   <p:cSld>
@@ -10370,14 +7614,14 @@
               <a:buNone/>
             </a:pPr>
             <a:r>
-              <a:rPr lang="en">
+              <a:rPr lang="en" dirty="0">
                 <a:solidFill>
                   <a:srgbClr val="F3F3F3"/>
                 </a:solidFill>
               </a:rPr>
-              <a:t>Agenda</a:t>
+              <a:t>Table of Contents</a:t>
             </a:r>
-            <a:endParaRPr>
+            <a:endParaRPr dirty="0">
               <a:solidFill>
                 <a:srgbClr val="F3F3F3"/>
               </a:solidFill>
@@ -10426,2415 +7670,7 @@
               <a:buSzPts val="1300"/>
               <a:buChar char="❖"/>
             </a:pPr>
-            <a:r>
-              <a:rPr lang="en">
-                <a:solidFill>
-                  <a:srgbClr val="F3F3F3"/>
-                </a:solidFill>
-              </a:rPr>
-              <a:t>Problem and Solution (Feras)</a:t>
-            </a:r>
-            <a:endParaRPr>
-              <a:solidFill>
-                <a:srgbClr val="F3F3F3"/>
-              </a:solidFill>
-            </a:endParaRPr>
-          </a:p>
-          <a:p>
-            <a:pPr marL="457200" lvl="0" indent="-311150" algn="l" rtl="0">
-              <a:lnSpc>
-                <a:spcPct val="200000"/>
-              </a:lnSpc>
-              <a:spcBef>
-                <a:spcPts val="0"/>
-              </a:spcBef>
-              <a:spcAft>
-                <a:spcPts val="0"/>
-              </a:spcAft>
-              <a:buClr>
-                <a:srgbClr val="F3F3F3"/>
-              </a:buClr>
-              <a:buSzPts val="1300"/>
-              <a:buChar char="❖"/>
-            </a:pPr>
-            <a:r>
-              <a:rPr lang="en">
-                <a:solidFill>
-                  <a:srgbClr val="F3F3F3"/>
-                </a:solidFill>
-              </a:rPr>
-              <a:t>Main Requirements (Feras)</a:t>
-            </a:r>
-            <a:endParaRPr>
-              <a:solidFill>
-                <a:srgbClr val="F3F3F3"/>
-              </a:solidFill>
-            </a:endParaRPr>
-          </a:p>
-          <a:p>
-            <a:pPr marL="457200" lvl="0" indent="-311150" algn="l" rtl="0">
-              <a:lnSpc>
-                <a:spcPct val="200000"/>
-              </a:lnSpc>
-              <a:spcBef>
-                <a:spcPts val="0"/>
-              </a:spcBef>
-              <a:spcAft>
-                <a:spcPts val="0"/>
-              </a:spcAft>
-              <a:buClr>
-                <a:srgbClr val="F3F3F3"/>
-              </a:buClr>
-              <a:buSzPts val="1300"/>
-              <a:buChar char="❖"/>
-            </a:pPr>
-            <a:r>
-              <a:rPr lang="en">
-                <a:solidFill>
-                  <a:srgbClr val="F3F3F3"/>
-                </a:solidFill>
-              </a:rPr>
-              <a:t>Database (Tim)</a:t>
-            </a:r>
-            <a:endParaRPr>
-              <a:solidFill>
-                <a:srgbClr val="F3F3F3"/>
-              </a:solidFill>
-            </a:endParaRPr>
-          </a:p>
-          <a:p>
-            <a:pPr marL="457200" lvl="0" indent="-311150" algn="l" rtl="0">
-              <a:lnSpc>
-                <a:spcPct val="200000"/>
-              </a:lnSpc>
-              <a:spcBef>
-                <a:spcPts val="0"/>
-              </a:spcBef>
-              <a:spcAft>
-                <a:spcPts val="0"/>
-              </a:spcAft>
-              <a:buClr>
-                <a:srgbClr val="F3F3F3"/>
-              </a:buClr>
-              <a:buSzPts val="1300"/>
-              <a:buChar char="❖"/>
-            </a:pPr>
-            <a:r>
-              <a:rPr lang="en">
-                <a:solidFill>
-                  <a:srgbClr val="F3F3F3"/>
-                </a:solidFill>
-              </a:rPr>
-              <a:t>Interface (Issa)</a:t>
-            </a:r>
-            <a:endParaRPr>
-              <a:solidFill>
-                <a:srgbClr val="F3F3F3"/>
-              </a:solidFill>
-            </a:endParaRPr>
-          </a:p>
-          <a:p>
-            <a:pPr marL="457200" lvl="0" indent="-311150" algn="l" rtl="0">
-              <a:lnSpc>
-                <a:spcPct val="200000"/>
-              </a:lnSpc>
-              <a:spcBef>
-                <a:spcPts val="0"/>
-              </a:spcBef>
-              <a:spcAft>
-                <a:spcPts val="0"/>
-              </a:spcAft>
-              <a:buClr>
-                <a:srgbClr val="F3F3F3"/>
-              </a:buClr>
-              <a:buSzPts val="1300"/>
-              <a:buChar char="❖"/>
-            </a:pPr>
-            <a:r>
-              <a:rPr lang="en">
-                <a:solidFill>
-                  <a:srgbClr val="F3F3F3"/>
-                </a:solidFill>
-              </a:rPr>
-              <a:t>First Build (Tim)</a:t>
-            </a:r>
-            <a:endParaRPr>
-              <a:solidFill>
-                <a:srgbClr val="F3F3F3"/>
-              </a:solidFill>
-            </a:endParaRPr>
-          </a:p>
-        </p:txBody>
-      </p:sp>
-    </p:spTree>
-  </p:cSld>
-  <p:clrMapOvr>
-    <a:masterClrMapping/>
-  </p:clrMapOvr>
-</p:sld>
-</file>
-
-<file path=ppt/slides/slide20.xml><?xml version="1.0" encoding="utf-8"?>
-<p:sld xmlns:a="http://schemas.openxmlformats.org/drawingml/2006/main" xmlns:r="http://schemas.openxmlformats.org/officeDocument/2006/relationships" xmlns:p="http://schemas.openxmlformats.org/presentationml/2006/main">
-  <p:cSld>
-    <p:bg>
-      <p:bgPr>
-        <a:noFill/>
-        <a:effectLst/>
-      </p:bgPr>
-    </p:bg>
-    <p:spTree>
-      <p:nvGrpSpPr>
-        <p:cNvPr id="1" name="Shape 193"/>
-        <p:cNvGrpSpPr/>
-        <p:nvPr/>
-      </p:nvGrpSpPr>
-      <p:grpSpPr>
-        <a:xfrm>
-          <a:off x="0" y="0"/>
-          <a:ext cx="0" cy="0"/>
-          <a:chOff x="0" y="0"/>
-          <a:chExt cx="0" cy="0"/>
-        </a:xfrm>
-      </p:grpSpPr>
-      <p:pic>
-        <p:nvPicPr>
-          <p:cNvPr id="194" name="Google Shape;194;p32"/>
-          <p:cNvPicPr preferRelativeResize="0"/>
-          <p:nvPr/>
-        </p:nvPicPr>
-        <p:blipFill>
-          <a:blip r:embed="rId3">
-            <a:alphaModFix/>
-          </a:blip>
-          <a:stretch>
-            <a:fillRect/>
-          </a:stretch>
-        </p:blipFill>
-        <p:spPr>
-          <a:xfrm>
-            <a:off x="0" y="0"/>
-            <a:ext cx="9144000" cy="5143505"/>
-          </a:xfrm>
-          <a:prstGeom prst="rect">
-            <a:avLst/>
-          </a:prstGeom>
-          <a:noFill/>
-          <a:ln>
-            <a:noFill/>
-          </a:ln>
-        </p:spPr>
-      </p:pic>
-    </p:spTree>
-  </p:cSld>
-  <p:clrMapOvr>
-    <a:masterClrMapping/>
-  </p:clrMapOvr>
-</p:sld>
-</file>
-
-<file path=ppt/slides/slide21.xml><?xml version="1.0" encoding="utf-8"?>
-<p:sld xmlns:a="http://schemas.openxmlformats.org/drawingml/2006/main" xmlns:r="http://schemas.openxmlformats.org/officeDocument/2006/relationships" xmlns:p="http://schemas.openxmlformats.org/presentationml/2006/main">
-  <p:cSld>
-    <p:spTree>
-      <p:nvGrpSpPr>
-        <p:cNvPr id="1" name="Shape 198"/>
-        <p:cNvGrpSpPr/>
-        <p:nvPr/>
-      </p:nvGrpSpPr>
-      <p:grpSpPr>
-        <a:xfrm>
-          <a:off x="0" y="0"/>
-          <a:ext cx="0" cy="0"/>
-          <a:chOff x="0" y="0"/>
-          <a:chExt cx="0" cy="0"/>
-        </a:xfrm>
-      </p:grpSpPr>
-      <p:sp>
-        <p:nvSpPr>
-          <p:cNvPr id="199" name="Google Shape;199;p33"/>
-          <p:cNvSpPr txBox="1">
-            <a:spLocks noGrp="1"/>
-          </p:cNvSpPr>
-          <p:nvPr>
-            <p:ph type="title"/>
-          </p:nvPr>
-        </p:nvSpPr>
-        <p:spPr>
-          <a:xfrm>
-            <a:off x="729450" y="581275"/>
-            <a:ext cx="7688700" cy="535200"/>
-          </a:xfrm>
-          <a:prstGeom prst="rect">
-            <a:avLst/>
-          </a:prstGeom>
-        </p:spPr>
-        <p:txBody>
-          <a:bodyPr spcFirstLastPara="1" wrap="square" lIns="91425" tIns="91425" rIns="91425" bIns="91425" anchor="t" anchorCtr="0">
-            <a:noAutofit/>
-          </a:bodyPr>
-          <a:lstStyle/>
-          <a:p>
-            <a:pPr marL="0" lvl="0" indent="0" algn="l" rtl="0">
-              <a:spcBef>
-                <a:spcPts val="0"/>
-              </a:spcBef>
-              <a:spcAft>
-                <a:spcPts val="0"/>
-              </a:spcAft>
-              <a:buNone/>
-            </a:pPr>
-            <a:r>
-              <a:rPr lang="en">
-                <a:solidFill>
-                  <a:srgbClr val="FFFFFF"/>
-                </a:solidFill>
-              </a:rPr>
-              <a:t>First Build</a:t>
-            </a:r>
-            <a:endParaRPr>
-              <a:solidFill>
-                <a:srgbClr val="FFFFFF"/>
-              </a:solidFill>
-            </a:endParaRPr>
-          </a:p>
-        </p:txBody>
-      </p:sp>
-      <p:sp>
-        <p:nvSpPr>
-          <p:cNvPr id="200" name="Google Shape;200;p33"/>
-          <p:cNvSpPr txBox="1">
-            <a:spLocks noGrp="1"/>
-          </p:cNvSpPr>
-          <p:nvPr>
-            <p:ph type="body" idx="1"/>
-          </p:nvPr>
-        </p:nvSpPr>
-        <p:spPr>
-          <a:xfrm>
-            <a:off x="729450" y="1395475"/>
-            <a:ext cx="7688700" cy="2261100"/>
-          </a:xfrm>
-          <a:prstGeom prst="rect">
-            <a:avLst/>
-          </a:prstGeom>
-        </p:spPr>
-        <p:txBody>
-          <a:bodyPr spcFirstLastPara="1" wrap="square" lIns="91425" tIns="91425" rIns="91425" bIns="91425" anchor="t" anchorCtr="0">
-            <a:noAutofit/>
-          </a:bodyPr>
-          <a:lstStyle/>
-          <a:p>
-            <a:pPr marL="457200" lvl="0" indent="-311150" algn="l" rtl="0">
-              <a:spcBef>
-                <a:spcPts val="0"/>
-              </a:spcBef>
-              <a:spcAft>
-                <a:spcPts val="0"/>
-              </a:spcAft>
-              <a:buClr>
-                <a:srgbClr val="FFFFFF"/>
-              </a:buClr>
-              <a:buSzPts val="1300"/>
-              <a:buChar char="❖"/>
-            </a:pPr>
-            <a:r>
-              <a:rPr lang="en">
-                <a:solidFill>
-                  <a:srgbClr val="FFFFFF"/>
-                </a:solidFill>
-              </a:rPr>
-              <a:t>Website</a:t>
-            </a:r>
-            <a:endParaRPr>
-              <a:solidFill>
-                <a:srgbClr val="FFFFFF"/>
-              </a:solidFill>
-            </a:endParaRPr>
-          </a:p>
-          <a:p>
-            <a:pPr marL="457200" lvl="0" indent="0" algn="l" rtl="0">
-              <a:spcBef>
-                <a:spcPts val="0"/>
-              </a:spcBef>
-              <a:spcAft>
-                <a:spcPts val="0"/>
-              </a:spcAft>
-              <a:buNone/>
-            </a:pPr>
-            <a:endParaRPr>
-              <a:solidFill>
-                <a:srgbClr val="FFFFFF"/>
-              </a:solidFill>
-            </a:endParaRPr>
-          </a:p>
-          <a:p>
-            <a:pPr marL="457200" lvl="0" indent="-311150" algn="l" rtl="0">
-              <a:spcBef>
-                <a:spcPts val="0"/>
-              </a:spcBef>
-              <a:spcAft>
-                <a:spcPts val="0"/>
-              </a:spcAft>
-              <a:buClr>
-                <a:srgbClr val="FFFFFF"/>
-              </a:buClr>
-              <a:buSzPts val="1300"/>
-              <a:buChar char="❖"/>
-            </a:pPr>
-            <a:r>
-              <a:rPr lang="en">
-                <a:solidFill>
-                  <a:srgbClr val="FFFFFF"/>
-                </a:solidFill>
-              </a:rPr>
-              <a:t>GUI for Administrator</a:t>
-            </a:r>
-            <a:endParaRPr>
-              <a:solidFill>
-                <a:srgbClr val="FFFFFF"/>
-              </a:solidFill>
-            </a:endParaRPr>
-          </a:p>
-          <a:p>
-            <a:pPr marL="457200" lvl="0" indent="0" algn="l" rtl="0">
-              <a:spcBef>
-                <a:spcPts val="0"/>
-              </a:spcBef>
-              <a:spcAft>
-                <a:spcPts val="0"/>
-              </a:spcAft>
-              <a:buNone/>
-            </a:pPr>
-            <a:endParaRPr>
-              <a:solidFill>
-                <a:srgbClr val="FFFFFF"/>
-              </a:solidFill>
-            </a:endParaRPr>
-          </a:p>
-          <a:p>
-            <a:pPr marL="457200" lvl="0" indent="-311150" algn="l" rtl="0">
-              <a:spcBef>
-                <a:spcPts val="0"/>
-              </a:spcBef>
-              <a:spcAft>
-                <a:spcPts val="0"/>
-              </a:spcAft>
-              <a:buClr>
-                <a:srgbClr val="FFFFFF"/>
-              </a:buClr>
-              <a:buSzPts val="1300"/>
-              <a:buChar char="❖"/>
-            </a:pPr>
-            <a:r>
-              <a:rPr lang="en">
-                <a:solidFill>
-                  <a:srgbClr val="FFFFFF"/>
-                </a:solidFill>
-              </a:rPr>
-              <a:t>Function 1: Search</a:t>
-            </a:r>
-            <a:endParaRPr>
-              <a:solidFill>
-                <a:srgbClr val="FFFFFF"/>
-              </a:solidFill>
-            </a:endParaRPr>
-          </a:p>
-          <a:p>
-            <a:pPr marL="457200" lvl="0" indent="0" algn="l" rtl="0">
-              <a:spcBef>
-                <a:spcPts val="0"/>
-              </a:spcBef>
-              <a:spcAft>
-                <a:spcPts val="0"/>
-              </a:spcAft>
-              <a:buNone/>
-            </a:pPr>
-            <a:endParaRPr>
-              <a:solidFill>
-                <a:srgbClr val="FFFFFF"/>
-              </a:solidFill>
-            </a:endParaRPr>
-          </a:p>
-          <a:p>
-            <a:pPr marL="457200" lvl="0" indent="-311150" algn="l" rtl="0">
-              <a:spcBef>
-                <a:spcPts val="0"/>
-              </a:spcBef>
-              <a:spcAft>
-                <a:spcPts val="0"/>
-              </a:spcAft>
-              <a:buClr>
-                <a:srgbClr val="FFFFFF"/>
-              </a:buClr>
-              <a:buSzPts val="1300"/>
-              <a:buChar char="❖"/>
-            </a:pPr>
-            <a:r>
-              <a:rPr lang="en">
-                <a:solidFill>
-                  <a:srgbClr val="FFFFFF"/>
-                </a:solidFill>
-              </a:rPr>
-              <a:t>Function 2: Request form</a:t>
-            </a:r>
-            <a:endParaRPr>
-              <a:solidFill>
-                <a:srgbClr val="FFFFFF"/>
-              </a:solidFill>
-            </a:endParaRPr>
-          </a:p>
-        </p:txBody>
-      </p:sp>
-    </p:spTree>
-  </p:cSld>
-  <p:clrMapOvr>
-    <a:masterClrMapping/>
-  </p:clrMapOvr>
-</p:sld>
-</file>
-
-<file path=ppt/slides/slide3.xml><?xml version="1.0" encoding="utf-8"?>
-<p:sld xmlns:a="http://schemas.openxmlformats.org/drawingml/2006/main" xmlns:r="http://schemas.openxmlformats.org/officeDocument/2006/relationships" xmlns:p="http://schemas.openxmlformats.org/presentationml/2006/main">
-  <p:cSld>
-    <p:spTree>
-      <p:nvGrpSpPr>
-        <p:cNvPr id="1" name="Shape 97"/>
-        <p:cNvGrpSpPr/>
-        <p:nvPr/>
-      </p:nvGrpSpPr>
-      <p:grpSpPr>
-        <a:xfrm>
-          <a:off x="0" y="0"/>
-          <a:ext cx="0" cy="0"/>
-          <a:chOff x="0" y="0"/>
-          <a:chExt cx="0" cy="0"/>
-        </a:xfrm>
-      </p:grpSpPr>
-      <p:sp>
-        <p:nvSpPr>
-          <p:cNvPr id="98" name="Google Shape;98;p15"/>
-          <p:cNvSpPr txBox="1">
-            <a:spLocks noGrp="1"/>
-          </p:cNvSpPr>
-          <p:nvPr>
-            <p:ph type="title"/>
-          </p:nvPr>
-        </p:nvSpPr>
-        <p:spPr>
-          <a:xfrm>
-            <a:off x="727650" y="572300"/>
-            <a:ext cx="7688700" cy="535200"/>
-          </a:xfrm>
-          <a:prstGeom prst="rect">
-            <a:avLst/>
-          </a:prstGeom>
-        </p:spPr>
-        <p:txBody>
-          <a:bodyPr spcFirstLastPara="1" wrap="square" lIns="91425" tIns="91425" rIns="91425" bIns="91425" anchor="t" anchorCtr="0">
-            <a:noAutofit/>
-          </a:bodyPr>
-          <a:lstStyle/>
-          <a:p>
-            <a:pPr marL="0" lvl="0" indent="0" algn="l" rtl="0">
-              <a:spcBef>
-                <a:spcPts val="0"/>
-              </a:spcBef>
-              <a:spcAft>
-                <a:spcPts val="0"/>
-              </a:spcAft>
-              <a:buNone/>
-            </a:pPr>
-            <a:r>
-              <a:rPr lang="en">
-                <a:solidFill>
-                  <a:srgbClr val="F3F3F3"/>
-                </a:solidFill>
-              </a:rPr>
-              <a:t>Problem and Solution</a:t>
-            </a:r>
-            <a:endParaRPr>
-              <a:solidFill>
-                <a:srgbClr val="F3F3F3"/>
-              </a:solidFill>
-            </a:endParaRPr>
-          </a:p>
-        </p:txBody>
-      </p:sp>
-      <p:sp>
-        <p:nvSpPr>
-          <p:cNvPr id="99" name="Google Shape;99;p15"/>
-          <p:cNvSpPr txBox="1">
-            <a:spLocks noGrp="1"/>
-          </p:cNvSpPr>
-          <p:nvPr>
-            <p:ph type="body" idx="1"/>
-          </p:nvPr>
-        </p:nvSpPr>
-        <p:spPr>
-          <a:xfrm>
-            <a:off x="311700" y="1322475"/>
-            <a:ext cx="8520600" cy="3416400"/>
-          </a:xfrm>
-          <a:prstGeom prst="rect">
-            <a:avLst/>
-          </a:prstGeom>
-        </p:spPr>
-        <p:txBody>
-          <a:bodyPr spcFirstLastPara="1" wrap="square" lIns="91425" tIns="91425" rIns="91425" bIns="91425" anchor="t" anchorCtr="0">
-            <a:noAutofit/>
-          </a:bodyPr>
-          <a:lstStyle/>
-          <a:p>
-            <a:pPr marL="457200" lvl="0" indent="-311150" algn="l" rtl="0">
-              <a:lnSpc>
-                <a:spcPct val="100000"/>
-              </a:lnSpc>
-              <a:spcBef>
-                <a:spcPts val="1200"/>
-              </a:spcBef>
-              <a:spcAft>
-                <a:spcPts val="0"/>
-              </a:spcAft>
-              <a:buClr>
-                <a:srgbClr val="F3F3F3"/>
-              </a:buClr>
-              <a:buSzPts val="1300"/>
-              <a:buChar char="❖"/>
-            </a:pPr>
-            <a:r>
-              <a:rPr lang="en">
-                <a:solidFill>
-                  <a:srgbClr val="F3F3F3"/>
-                </a:solidFill>
-              </a:rPr>
-              <a:t>Students need guidance in understanding cyber security concepts and terminology that come from vetted, peer-reviewed sources made available during their studies.</a:t>
-            </a:r>
-            <a:endParaRPr>
-              <a:solidFill>
-                <a:srgbClr val="F3F3F3"/>
-              </a:solidFill>
-            </a:endParaRPr>
-          </a:p>
-          <a:p>
-            <a:pPr marL="457200" lvl="0" indent="-311150" algn="l" rtl="0">
-              <a:lnSpc>
-                <a:spcPct val="100000"/>
-              </a:lnSpc>
-              <a:spcBef>
-                <a:spcPts val="1200"/>
-              </a:spcBef>
-              <a:spcAft>
-                <a:spcPts val="0"/>
-              </a:spcAft>
-              <a:buClr>
-                <a:srgbClr val="F3F3F3"/>
-              </a:buClr>
-              <a:buSzPts val="1300"/>
-              <a:buChar char="❖"/>
-            </a:pPr>
-            <a:r>
-              <a:rPr lang="en">
-                <a:solidFill>
-                  <a:srgbClr val="F3F3F3"/>
-                </a:solidFill>
-              </a:rPr>
-              <a:t>To create an interactive knowledge base called Security Availability Library Tool (SALT). </a:t>
-            </a:r>
-            <a:endParaRPr>
-              <a:solidFill>
-                <a:srgbClr val="F3F3F3"/>
-              </a:solidFill>
-            </a:endParaRPr>
-          </a:p>
-          <a:p>
-            <a:pPr marL="914400" lvl="0" indent="0" algn="l" rtl="0">
-              <a:lnSpc>
-                <a:spcPct val="100000"/>
-              </a:lnSpc>
-              <a:spcBef>
-                <a:spcPts val="0"/>
-              </a:spcBef>
-              <a:spcAft>
-                <a:spcPts val="0"/>
-              </a:spcAft>
-              <a:buNone/>
-            </a:pPr>
-            <a:endParaRPr>
-              <a:solidFill>
-                <a:srgbClr val="F3F3F3"/>
-              </a:solidFill>
-            </a:endParaRPr>
-          </a:p>
-          <a:p>
-            <a:pPr marL="914400" lvl="0" indent="-311150" algn="l" rtl="0">
-              <a:lnSpc>
-                <a:spcPct val="100000"/>
-              </a:lnSpc>
-              <a:spcBef>
-                <a:spcPts val="0"/>
-              </a:spcBef>
-              <a:spcAft>
-                <a:spcPts val="0"/>
-              </a:spcAft>
-              <a:buClr>
-                <a:srgbClr val="F3F3F3"/>
-              </a:buClr>
-              <a:buSzPts val="1300"/>
-              <a:buChar char="❖"/>
-            </a:pPr>
-            <a:r>
-              <a:rPr lang="en">
-                <a:solidFill>
-                  <a:srgbClr val="F3F3F3"/>
-                </a:solidFill>
-              </a:rPr>
-              <a:t>SALT will:</a:t>
-            </a:r>
-            <a:endParaRPr>
-              <a:solidFill>
-                <a:srgbClr val="F3F3F3"/>
-              </a:solidFill>
-            </a:endParaRPr>
-          </a:p>
-          <a:p>
-            <a:pPr marL="1371600" lvl="1" indent="-298450" algn="l" rtl="0">
-              <a:lnSpc>
-                <a:spcPct val="100000"/>
-              </a:lnSpc>
-              <a:spcBef>
-                <a:spcPts val="1200"/>
-              </a:spcBef>
-              <a:spcAft>
-                <a:spcPts val="0"/>
-              </a:spcAft>
-              <a:buClr>
-                <a:srgbClr val="F3F3F3"/>
-              </a:buClr>
-              <a:buSzPts val="1100"/>
-              <a:buChar char="➢"/>
-            </a:pPr>
-            <a:r>
-              <a:rPr lang="en">
-                <a:solidFill>
-                  <a:srgbClr val="F3F3F3"/>
-                </a:solidFill>
-              </a:rPr>
-              <a:t>Provide a library of concepts and terminology based on peer-reviewed or industry standards </a:t>
-            </a:r>
-            <a:endParaRPr>
-              <a:solidFill>
-                <a:srgbClr val="F3F3F3"/>
-              </a:solidFill>
-            </a:endParaRPr>
-          </a:p>
-          <a:p>
-            <a:pPr marL="1371600" lvl="1" indent="-298450" algn="l" rtl="0">
-              <a:lnSpc>
-                <a:spcPct val="100000"/>
-              </a:lnSpc>
-              <a:spcBef>
-                <a:spcPts val="1200"/>
-              </a:spcBef>
-              <a:spcAft>
-                <a:spcPts val="0"/>
-              </a:spcAft>
-              <a:buClr>
-                <a:srgbClr val="F3F3F3"/>
-              </a:buClr>
-              <a:buSzPts val="1100"/>
-              <a:buChar char="➢"/>
-            </a:pPr>
-            <a:r>
-              <a:rPr lang="en">
-                <a:solidFill>
-                  <a:srgbClr val="F3F3F3"/>
-                </a:solidFill>
-              </a:rPr>
-              <a:t>Be aligned with Information Technology Program security courses offered at Arizona State University. </a:t>
-            </a:r>
-            <a:endParaRPr>
-              <a:solidFill>
-                <a:srgbClr val="F3F3F3"/>
-              </a:solidFill>
-            </a:endParaRPr>
-          </a:p>
-          <a:p>
-            <a:pPr marL="1371600" lvl="1" indent="-298450" algn="l" rtl="0">
-              <a:lnSpc>
-                <a:spcPct val="100000"/>
-              </a:lnSpc>
-              <a:spcBef>
-                <a:spcPts val="1200"/>
-              </a:spcBef>
-              <a:spcAft>
-                <a:spcPts val="0"/>
-              </a:spcAft>
-              <a:buClr>
-                <a:srgbClr val="F3F3F3"/>
-              </a:buClr>
-              <a:buSzPts val="1100"/>
-              <a:buChar char="➢"/>
-            </a:pPr>
-            <a:r>
-              <a:rPr lang="en">
-                <a:solidFill>
-                  <a:srgbClr val="F3F3F3"/>
-                </a:solidFill>
-              </a:rPr>
-              <a:t>Be peer-reviewed by the Information Technology Program faculty that teach Security courses.</a:t>
-            </a:r>
-            <a:endParaRPr>
-              <a:solidFill>
-                <a:srgbClr val="F3F3F3"/>
-              </a:solidFill>
-            </a:endParaRPr>
-          </a:p>
-          <a:p>
-            <a:pPr marL="0" lvl="0" indent="0" algn="l" rtl="0">
-              <a:spcBef>
-                <a:spcPts val="0"/>
-              </a:spcBef>
-              <a:spcAft>
-                <a:spcPts val="1600"/>
-              </a:spcAft>
-              <a:buNone/>
-            </a:pPr>
-            <a:endParaRPr>
-              <a:solidFill>
-                <a:srgbClr val="F3F3F3"/>
-              </a:solidFill>
-            </a:endParaRPr>
-          </a:p>
-        </p:txBody>
-      </p:sp>
-    </p:spTree>
-  </p:cSld>
-  <p:clrMapOvr>
-    <a:masterClrMapping/>
-  </p:clrMapOvr>
-</p:sld>
-</file>
-
-<file path=ppt/slides/slide4.xml><?xml version="1.0" encoding="utf-8"?>
-<p:sld xmlns:a="http://schemas.openxmlformats.org/drawingml/2006/main" xmlns:r="http://schemas.openxmlformats.org/officeDocument/2006/relationships" xmlns:p="http://schemas.openxmlformats.org/presentationml/2006/main">
-  <p:cSld>
-    <p:spTree>
-      <p:nvGrpSpPr>
-        <p:cNvPr id="1" name="Shape 103"/>
-        <p:cNvGrpSpPr/>
-        <p:nvPr/>
-      </p:nvGrpSpPr>
-      <p:grpSpPr>
-        <a:xfrm>
-          <a:off x="0" y="0"/>
-          <a:ext cx="0" cy="0"/>
-          <a:chOff x="0" y="0"/>
-          <a:chExt cx="0" cy="0"/>
-        </a:xfrm>
-      </p:grpSpPr>
-      <p:sp>
-        <p:nvSpPr>
-          <p:cNvPr id="104" name="Google Shape;104;p16"/>
-          <p:cNvSpPr txBox="1">
-            <a:spLocks noGrp="1"/>
-          </p:cNvSpPr>
-          <p:nvPr>
-            <p:ph type="title"/>
-          </p:nvPr>
-        </p:nvSpPr>
-        <p:spPr>
-          <a:xfrm>
-            <a:off x="727650" y="509375"/>
-            <a:ext cx="7688700" cy="535200"/>
-          </a:xfrm>
-          <a:prstGeom prst="rect">
-            <a:avLst/>
-          </a:prstGeom>
-        </p:spPr>
-        <p:txBody>
-          <a:bodyPr spcFirstLastPara="1" wrap="square" lIns="91425" tIns="91425" rIns="91425" bIns="91425" anchor="t" anchorCtr="0">
-            <a:noAutofit/>
-          </a:bodyPr>
-          <a:lstStyle/>
-          <a:p>
-            <a:pPr marL="0" lvl="0" indent="0" algn="l" rtl="0">
-              <a:spcBef>
-                <a:spcPts val="0"/>
-              </a:spcBef>
-              <a:spcAft>
-                <a:spcPts val="0"/>
-              </a:spcAft>
-              <a:buNone/>
-            </a:pPr>
-            <a:r>
-              <a:rPr lang="en">
-                <a:solidFill>
-                  <a:srgbClr val="F3F3F3"/>
-                </a:solidFill>
-              </a:rPr>
-              <a:t>Main Requirements: 1. User Search</a:t>
-            </a:r>
-            <a:endParaRPr>
-              <a:solidFill>
-                <a:srgbClr val="F3F3F3"/>
-              </a:solidFill>
-            </a:endParaRPr>
-          </a:p>
-        </p:txBody>
-      </p:sp>
-      <p:sp>
-        <p:nvSpPr>
-          <p:cNvPr id="105" name="Google Shape;105;p16"/>
-          <p:cNvSpPr txBox="1">
-            <a:spLocks noGrp="1"/>
-          </p:cNvSpPr>
-          <p:nvPr>
-            <p:ph type="body" idx="1"/>
-          </p:nvPr>
-        </p:nvSpPr>
-        <p:spPr>
-          <a:xfrm>
-            <a:off x="293750" y="1358425"/>
-            <a:ext cx="3887700" cy="3416400"/>
-          </a:xfrm>
-          <a:prstGeom prst="rect">
-            <a:avLst/>
-          </a:prstGeom>
-        </p:spPr>
-        <p:txBody>
-          <a:bodyPr spcFirstLastPara="1" wrap="square" lIns="91425" tIns="91425" rIns="91425" bIns="91425" anchor="t" anchorCtr="0">
-            <a:noAutofit/>
-          </a:bodyPr>
-          <a:lstStyle/>
-          <a:p>
-            <a:pPr marL="457200" lvl="0" indent="-311150" algn="l" rtl="0">
-              <a:spcBef>
-                <a:spcPts val="0"/>
-              </a:spcBef>
-              <a:spcAft>
-                <a:spcPts val="0"/>
-              </a:spcAft>
-              <a:buClr>
-                <a:srgbClr val="F3F3F3"/>
-              </a:buClr>
-              <a:buSzPts val="1300"/>
-              <a:buChar char="❖"/>
-            </a:pPr>
-            <a:r>
-              <a:rPr lang="en">
-                <a:solidFill>
-                  <a:srgbClr val="F3F3F3"/>
-                </a:solidFill>
-              </a:rPr>
-              <a:t>User will be able to type a word in the search bar and view the full result</a:t>
-            </a:r>
-            <a:endParaRPr>
-              <a:solidFill>
-                <a:srgbClr val="F3F3F3"/>
-              </a:solidFill>
-            </a:endParaRPr>
-          </a:p>
-          <a:p>
-            <a:pPr marL="0" lvl="0" indent="0" algn="l" rtl="0">
-              <a:spcBef>
-                <a:spcPts val="0"/>
-              </a:spcBef>
-              <a:spcAft>
-                <a:spcPts val="0"/>
-              </a:spcAft>
-              <a:buNone/>
-            </a:pPr>
-            <a:endParaRPr>
-              <a:solidFill>
-                <a:srgbClr val="F3F3F3"/>
-              </a:solidFill>
-            </a:endParaRPr>
-          </a:p>
-          <a:p>
-            <a:pPr marL="457200" lvl="0" indent="-311150" algn="l" rtl="0">
-              <a:spcBef>
-                <a:spcPts val="0"/>
-              </a:spcBef>
-              <a:spcAft>
-                <a:spcPts val="0"/>
-              </a:spcAft>
-              <a:buClr>
-                <a:srgbClr val="F3F3F3"/>
-              </a:buClr>
-              <a:buSzPts val="1300"/>
-              <a:buChar char="❖"/>
-            </a:pPr>
-            <a:r>
-              <a:rPr lang="en">
-                <a:solidFill>
-                  <a:srgbClr val="F3F3F3"/>
-                </a:solidFill>
-              </a:rPr>
-              <a:t>The system will display potential search results as the users type</a:t>
-            </a:r>
-            <a:endParaRPr>
-              <a:solidFill>
-                <a:srgbClr val="F3F3F3"/>
-              </a:solidFill>
-            </a:endParaRPr>
-          </a:p>
-          <a:p>
-            <a:pPr marL="457200" lvl="0" indent="0" algn="l" rtl="0">
-              <a:spcBef>
-                <a:spcPts val="0"/>
-              </a:spcBef>
-              <a:spcAft>
-                <a:spcPts val="0"/>
-              </a:spcAft>
-              <a:buNone/>
-            </a:pPr>
-            <a:endParaRPr>
-              <a:solidFill>
-                <a:srgbClr val="F3F3F3"/>
-              </a:solidFill>
-            </a:endParaRPr>
-          </a:p>
-          <a:p>
-            <a:pPr marL="457200" lvl="0" indent="-311150" algn="l" rtl="0">
-              <a:spcBef>
-                <a:spcPts val="0"/>
-              </a:spcBef>
-              <a:spcAft>
-                <a:spcPts val="0"/>
-              </a:spcAft>
-              <a:buClr>
-                <a:srgbClr val="F3F3F3"/>
-              </a:buClr>
-              <a:buSzPts val="1300"/>
-              <a:buChar char="❖"/>
-            </a:pPr>
-            <a:r>
-              <a:rPr lang="en">
-                <a:solidFill>
-                  <a:srgbClr val="F3F3F3"/>
-                </a:solidFill>
-              </a:rPr>
-              <a:t>Be told if it’s not in the library</a:t>
-            </a:r>
-            <a:endParaRPr>
-              <a:solidFill>
-                <a:srgbClr val="F3F3F3"/>
-              </a:solidFill>
-            </a:endParaRPr>
-          </a:p>
-          <a:p>
-            <a:pPr marL="457200" lvl="0" indent="0" algn="l" rtl="0">
-              <a:spcBef>
-                <a:spcPts val="0"/>
-              </a:spcBef>
-              <a:spcAft>
-                <a:spcPts val="0"/>
-              </a:spcAft>
-              <a:buNone/>
-            </a:pPr>
-            <a:endParaRPr u="sng">
-              <a:solidFill>
-                <a:srgbClr val="FFFFFF"/>
-              </a:solidFill>
-            </a:endParaRPr>
-          </a:p>
-          <a:p>
-            <a:pPr marL="457200" lvl="0" indent="-311150" algn="l" rtl="0">
-              <a:spcBef>
-                <a:spcPts val="0"/>
-              </a:spcBef>
-              <a:spcAft>
-                <a:spcPts val="0"/>
-              </a:spcAft>
-              <a:buClr>
-                <a:srgbClr val="F3F3F3"/>
-              </a:buClr>
-              <a:buSzPts val="1300"/>
-              <a:buChar char="❖"/>
-            </a:pPr>
-            <a:r>
-              <a:rPr lang="en" u="sng">
-                <a:solidFill>
-                  <a:srgbClr val="FFFFFF"/>
-                </a:solidFill>
-              </a:rPr>
-              <a:t>Value</a:t>
-            </a:r>
-            <a:r>
-              <a:rPr lang="en">
-                <a:solidFill>
-                  <a:srgbClr val="FFFFFF"/>
-                </a:solidFill>
-              </a:rPr>
-              <a:t>: To provide the users with results that are peer-reviewed and easy to understand.</a:t>
-            </a:r>
-            <a:endParaRPr>
-              <a:solidFill>
-                <a:srgbClr val="FFFFFF"/>
-              </a:solidFill>
-            </a:endParaRPr>
-          </a:p>
-          <a:p>
-            <a:pPr marL="457200" lvl="0" indent="0" algn="l" rtl="0">
-              <a:spcBef>
-                <a:spcPts val="0"/>
-              </a:spcBef>
-              <a:spcAft>
-                <a:spcPts val="0"/>
-              </a:spcAft>
-              <a:buNone/>
-            </a:pPr>
-            <a:endParaRPr>
-              <a:solidFill>
-                <a:srgbClr val="F3F3F3"/>
-              </a:solidFill>
-            </a:endParaRPr>
-          </a:p>
-          <a:p>
-            <a:pPr marL="457200" lvl="0" indent="0" algn="l" rtl="0">
-              <a:spcBef>
-                <a:spcPts val="0"/>
-              </a:spcBef>
-              <a:spcAft>
-                <a:spcPts val="0"/>
-              </a:spcAft>
-              <a:buNone/>
-            </a:pPr>
-            <a:endParaRPr>
-              <a:solidFill>
-                <a:srgbClr val="F3F3F3"/>
-              </a:solidFill>
-            </a:endParaRPr>
-          </a:p>
-          <a:p>
-            <a:pPr marL="457200" lvl="0" indent="0" algn="l" rtl="0">
-              <a:spcBef>
-                <a:spcPts val="0"/>
-              </a:spcBef>
-              <a:spcAft>
-                <a:spcPts val="0"/>
-              </a:spcAft>
-              <a:buNone/>
-            </a:pPr>
-            <a:endParaRPr>
-              <a:solidFill>
-                <a:srgbClr val="F3F3F3"/>
-              </a:solidFill>
-            </a:endParaRPr>
-          </a:p>
-          <a:p>
-            <a:pPr marL="0" lvl="0" indent="0" algn="l" rtl="0">
-              <a:spcBef>
-                <a:spcPts val="0"/>
-              </a:spcBef>
-              <a:spcAft>
-                <a:spcPts val="1600"/>
-              </a:spcAft>
-              <a:buNone/>
-            </a:pPr>
-            <a:endParaRPr>
-              <a:solidFill>
-                <a:srgbClr val="F3F3F3"/>
-              </a:solidFill>
-            </a:endParaRPr>
-          </a:p>
-        </p:txBody>
-      </p:sp>
-      <p:pic>
-        <p:nvPicPr>
-          <p:cNvPr id="106" name="Google Shape;106;p16"/>
-          <p:cNvPicPr preferRelativeResize="0"/>
-          <p:nvPr/>
-        </p:nvPicPr>
-        <p:blipFill>
-          <a:blip r:embed="rId3">
-            <a:alphaModFix/>
-          </a:blip>
-          <a:stretch>
-            <a:fillRect/>
-          </a:stretch>
-        </p:blipFill>
-        <p:spPr>
-          <a:xfrm>
-            <a:off x="4292175" y="1661475"/>
-            <a:ext cx="4805574" cy="3160550"/>
-          </a:xfrm>
-          <a:prstGeom prst="rect">
-            <a:avLst/>
-          </a:prstGeom>
-          <a:noFill/>
-          <a:ln>
-            <a:noFill/>
-          </a:ln>
-        </p:spPr>
-      </p:pic>
-    </p:spTree>
-  </p:cSld>
-  <p:clrMapOvr>
-    <a:masterClrMapping/>
-  </p:clrMapOvr>
-</p:sld>
-</file>
-
-<file path=ppt/slides/slide5.xml><?xml version="1.0" encoding="utf-8"?>
-<p:sld xmlns:a="http://schemas.openxmlformats.org/drawingml/2006/main" xmlns:r="http://schemas.openxmlformats.org/officeDocument/2006/relationships" xmlns:p="http://schemas.openxmlformats.org/presentationml/2006/main">
-  <p:cSld>
-    <p:spTree>
-      <p:nvGrpSpPr>
-        <p:cNvPr id="1" name="Shape 110"/>
-        <p:cNvGrpSpPr/>
-        <p:nvPr/>
-      </p:nvGrpSpPr>
-      <p:grpSpPr>
-        <a:xfrm>
-          <a:off x="0" y="0"/>
-          <a:ext cx="0" cy="0"/>
-          <a:chOff x="0" y="0"/>
-          <a:chExt cx="0" cy="0"/>
-        </a:xfrm>
-      </p:grpSpPr>
-      <p:sp>
-        <p:nvSpPr>
-          <p:cNvPr id="111" name="Google Shape;111;p17"/>
-          <p:cNvSpPr txBox="1">
-            <a:spLocks noGrp="1"/>
-          </p:cNvSpPr>
-          <p:nvPr>
-            <p:ph type="title"/>
-          </p:nvPr>
-        </p:nvSpPr>
-        <p:spPr>
-          <a:xfrm>
-            <a:off x="311700" y="507975"/>
-            <a:ext cx="8677500" cy="572700"/>
-          </a:xfrm>
-          <a:prstGeom prst="rect">
-            <a:avLst/>
-          </a:prstGeom>
-        </p:spPr>
-        <p:txBody>
-          <a:bodyPr spcFirstLastPara="1" wrap="square" lIns="91425" tIns="91425" rIns="91425" bIns="91425" anchor="t" anchorCtr="0">
-            <a:noAutofit/>
-          </a:bodyPr>
-          <a:lstStyle/>
-          <a:p>
-            <a:pPr marL="0" lvl="0" indent="0" algn="l" rtl="0">
-              <a:spcBef>
-                <a:spcPts val="0"/>
-              </a:spcBef>
-              <a:spcAft>
-                <a:spcPts val="0"/>
-              </a:spcAft>
-              <a:buClr>
-                <a:schemeClr val="dk1"/>
-              </a:buClr>
-              <a:buSzPts val="1100"/>
-              <a:buFont typeface="Arial"/>
-              <a:buNone/>
-            </a:pPr>
-            <a:r>
-              <a:rPr lang="en">
-                <a:solidFill>
-                  <a:srgbClr val="F3F3F3"/>
-                </a:solidFill>
-              </a:rPr>
-              <a:t>Main Requirements: 2. Request Form to Add Content</a:t>
-            </a:r>
-            <a:endParaRPr>
-              <a:solidFill>
-                <a:srgbClr val="F3F3F3"/>
-              </a:solidFill>
-            </a:endParaRPr>
-          </a:p>
-        </p:txBody>
-      </p:sp>
-      <p:sp>
-        <p:nvSpPr>
-          <p:cNvPr id="112" name="Google Shape;112;p17"/>
-          <p:cNvSpPr txBox="1">
-            <a:spLocks noGrp="1"/>
-          </p:cNvSpPr>
-          <p:nvPr>
-            <p:ph type="body" idx="1"/>
-          </p:nvPr>
-        </p:nvSpPr>
-        <p:spPr>
-          <a:xfrm>
-            <a:off x="311700" y="1318175"/>
-            <a:ext cx="4980000" cy="3416400"/>
-          </a:xfrm>
-          <a:prstGeom prst="rect">
-            <a:avLst/>
-          </a:prstGeom>
-        </p:spPr>
-        <p:txBody>
-          <a:bodyPr spcFirstLastPara="1" wrap="square" lIns="91425" tIns="91425" rIns="91425" bIns="91425" anchor="t" anchorCtr="0">
-            <a:noAutofit/>
-          </a:bodyPr>
-          <a:lstStyle/>
-          <a:p>
-            <a:pPr marL="457200" lvl="0" indent="-311150" algn="l" rtl="0">
-              <a:spcBef>
-                <a:spcPts val="0"/>
-              </a:spcBef>
-              <a:spcAft>
-                <a:spcPts val="0"/>
-              </a:spcAft>
-              <a:buClr>
-                <a:srgbClr val="F3F3F3"/>
-              </a:buClr>
-              <a:buSzPts val="1300"/>
-              <a:buChar char="❖"/>
-            </a:pPr>
-            <a:r>
-              <a:rPr lang="en">
-                <a:solidFill>
-                  <a:srgbClr val="F3F3F3"/>
-                </a:solidFill>
-              </a:rPr>
-              <a:t>If a user is unable to find a term, he can request to have it added.</a:t>
-            </a:r>
-            <a:endParaRPr>
-              <a:solidFill>
-                <a:srgbClr val="F3F3F3"/>
-              </a:solidFill>
-            </a:endParaRPr>
-          </a:p>
-          <a:p>
-            <a:pPr marL="0" lvl="0" indent="0" algn="l" rtl="0">
-              <a:spcBef>
-                <a:spcPts val="0"/>
-              </a:spcBef>
-              <a:spcAft>
-                <a:spcPts val="0"/>
-              </a:spcAft>
-              <a:buNone/>
-            </a:pPr>
-            <a:endParaRPr>
-              <a:solidFill>
-                <a:srgbClr val="F3F3F3"/>
-              </a:solidFill>
-            </a:endParaRPr>
-          </a:p>
-          <a:p>
-            <a:pPr marL="457200" lvl="0" indent="-311150" algn="l" rtl="0">
-              <a:spcBef>
-                <a:spcPts val="0"/>
-              </a:spcBef>
-              <a:spcAft>
-                <a:spcPts val="0"/>
-              </a:spcAft>
-              <a:buClr>
-                <a:srgbClr val="F3F3F3"/>
-              </a:buClr>
-              <a:buSzPts val="1300"/>
-              <a:buChar char="❖"/>
-            </a:pPr>
-            <a:r>
-              <a:rPr lang="en">
-                <a:solidFill>
-                  <a:srgbClr val="F3F3F3"/>
-                </a:solidFill>
-              </a:rPr>
-              <a:t>Get redirected to a form</a:t>
-            </a:r>
-            <a:endParaRPr>
-              <a:solidFill>
-                <a:srgbClr val="F3F3F3"/>
-              </a:solidFill>
-            </a:endParaRPr>
-          </a:p>
-          <a:p>
-            <a:pPr marL="457200" lvl="0" indent="0" algn="l" rtl="0">
-              <a:spcBef>
-                <a:spcPts val="0"/>
-              </a:spcBef>
-              <a:spcAft>
-                <a:spcPts val="0"/>
-              </a:spcAft>
-              <a:buNone/>
-            </a:pPr>
-            <a:endParaRPr>
-              <a:solidFill>
-                <a:srgbClr val="F3F3F3"/>
-              </a:solidFill>
-            </a:endParaRPr>
-          </a:p>
-          <a:p>
-            <a:pPr marL="457200" lvl="0" indent="-311150" algn="l" rtl="0">
-              <a:spcBef>
-                <a:spcPts val="0"/>
-              </a:spcBef>
-              <a:spcAft>
-                <a:spcPts val="0"/>
-              </a:spcAft>
-              <a:buClr>
-                <a:srgbClr val="F3F3F3"/>
-              </a:buClr>
-              <a:buSzPts val="1300"/>
-              <a:buChar char="❖"/>
-            </a:pPr>
-            <a:r>
-              <a:rPr lang="en">
-                <a:solidFill>
-                  <a:srgbClr val="F3F3F3"/>
-                </a:solidFill>
-              </a:rPr>
-              <a:t>Form has to have filters (No profanity or empty fields) </a:t>
-            </a:r>
-            <a:endParaRPr>
-              <a:solidFill>
-                <a:srgbClr val="F3F3F3"/>
-              </a:solidFill>
-            </a:endParaRPr>
-          </a:p>
-          <a:p>
-            <a:pPr marL="457200" lvl="0" indent="0" algn="l" rtl="0">
-              <a:spcBef>
-                <a:spcPts val="0"/>
-              </a:spcBef>
-              <a:spcAft>
-                <a:spcPts val="0"/>
-              </a:spcAft>
-              <a:buNone/>
-            </a:pPr>
-            <a:endParaRPr sz="1100" u="sng">
-              <a:solidFill>
-                <a:srgbClr val="000000"/>
-              </a:solidFill>
-              <a:latin typeface="Arial"/>
-              <a:ea typeface="Arial"/>
-              <a:cs typeface="Arial"/>
-              <a:sym typeface="Arial"/>
-            </a:endParaRPr>
-          </a:p>
-          <a:p>
-            <a:pPr marL="457200" lvl="0" indent="-323850" algn="l" rtl="0">
-              <a:spcBef>
-                <a:spcPts val="0"/>
-              </a:spcBef>
-              <a:spcAft>
-                <a:spcPts val="0"/>
-              </a:spcAft>
-              <a:buClr>
-                <a:srgbClr val="FFFFFF"/>
-              </a:buClr>
-              <a:buSzPts val="1500"/>
-              <a:buChar char="❖"/>
-            </a:pPr>
-            <a:r>
-              <a:rPr lang="en" u="sng">
-                <a:solidFill>
-                  <a:srgbClr val="FFFFFF"/>
-                </a:solidFill>
-              </a:rPr>
-              <a:t>Value</a:t>
-            </a:r>
-            <a:r>
-              <a:rPr lang="en">
-                <a:solidFill>
-                  <a:srgbClr val="FFFFFF"/>
-                </a:solidFill>
-              </a:rPr>
-              <a:t>: To ensure that students have their questions answered, to keep the library fresh and to keep the faculty aware of what students want to learn about.</a:t>
-            </a:r>
-            <a:endParaRPr>
-              <a:solidFill>
-                <a:srgbClr val="FFFFFF"/>
-              </a:solidFill>
-            </a:endParaRPr>
-          </a:p>
-          <a:p>
-            <a:pPr marL="457200" lvl="0" indent="0" algn="l" rtl="0">
-              <a:spcBef>
-                <a:spcPts val="0"/>
-              </a:spcBef>
-              <a:spcAft>
-                <a:spcPts val="0"/>
-              </a:spcAft>
-              <a:buNone/>
-            </a:pPr>
-            <a:endParaRPr>
-              <a:solidFill>
-                <a:srgbClr val="FFFFFF"/>
-              </a:solidFill>
-            </a:endParaRPr>
-          </a:p>
-          <a:p>
-            <a:pPr marL="0" lvl="0" indent="0" algn="l" rtl="0">
-              <a:spcBef>
-                <a:spcPts val="0"/>
-              </a:spcBef>
-              <a:spcAft>
-                <a:spcPts val="0"/>
-              </a:spcAft>
-              <a:buNone/>
-            </a:pPr>
-            <a:endParaRPr>
-              <a:solidFill>
-                <a:srgbClr val="F3F3F3"/>
-              </a:solidFill>
-            </a:endParaRPr>
-          </a:p>
-          <a:p>
-            <a:pPr marL="0" lvl="0" indent="0" algn="l" rtl="0">
-              <a:spcBef>
-                <a:spcPts val="1600"/>
-              </a:spcBef>
-              <a:spcAft>
-                <a:spcPts val="1600"/>
-              </a:spcAft>
-              <a:buNone/>
-            </a:pPr>
-            <a:endParaRPr>
-              <a:solidFill>
-                <a:srgbClr val="F3F3F3"/>
-              </a:solidFill>
-            </a:endParaRPr>
-          </a:p>
-        </p:txBody>
-      </p:sp>
-      <p:pic>
-        <p:nvPicPr>
-          <p:cNvPr id="113" name="Google Shape;113;p17"/>
-          <p:cNvPicPr preferRelativeResize="0"/>
-          <p:nvPr/>
-        </p:nvPicPr>
-        <p:blipFill>
-          <a:blip r:embed="rId3">
-            <a:alphaModFix/>
-          </a:blip>
-          <a:stretch>
-            <a:fillRect/>
-          </a:stretch>
-        </p:blipFill>
-        <p:spPr>
-          <a:xfrm>
-            <a:off x="5581600" y="1051900"/>
-            <a:ext cx="3407600" cy="3948949"/>
-          </a:xfrm>
-          <a:prstGeom prst="rect">
-            <a:avLst/>
-          </a:prstGeom>
-          <a:noFill/>
-          <a:ln>
-            <a:noFill/>
-          </a:ln>
-        </p:spPr>
-      </p:pic>
-    </p:spTree>
-  </p:cSld>
-  <p:clrMapOvr>
-    <a:masterClrMapping/>
-  </p:clrMapOvr>
-</p:sld>
-</file>
-
-<file path=ppt/slides/slide6.xml><?xml version="1.0" encoding="utf-8"?>
-<p:sld xmlns:a="http://schemas.openxmlformats.org/drawingml/2006/main" xmlns:r="http://schemas.openxmlformats.org/officeDocument/2006/relationships" xmlns:p="http://schemas.openxmlformats.org/presentationml/2006/main">
-  <p:cSld>
-    <p:spTree>
-      <p:nvGrpSpPr>
-        <p:cNvPr id="1" name="Shape 117"/>
-        <p:cNvGrpSpPr/>
-        <p:nvPr/>
-      </p:nvGrpSpPr>
-      <p:grpSpPr>
-        <a:xfrm>
-          <a:off x="0" y="0"/>
-          <a:ext cx="0" cy="0"/>
-          <a:chOff x="0" y="0"/>
-          <a:chExt cx="0" cy="0"/>
-        </a:xfrm>
-      </p:grpSpPr>
-      <p:sp>
-        <p:nvSpPr>
-          <p:cNvPr id="118" name="Google Shape;118;p18"/>
-          <p:cNvSpPr txBox="1">
-            <a:spLocks noGrp="1"/>
-          </p:cNvSpPr>
-          <p:nvPr>
-            <p:ph type="title"/>
-          </p:nvPr>
-        </p:nvSpPr>
-        <p:spPr>
-          <a:xfrm>
-            <a:off x="311700" y="445025"/>
-            <a:ext cx="8772900" cy="572700"/>
-          </a:xfrm>
-          <a:prstGeom prst="rect">
-            <a:avLst/>
-          </a:prstGeom>
-        </p:spPr>
-        <p:txBody>
-          <a:bodyPr spcFirstLastPara="1" wrap="square" lIns="91425" tIns="91425" rIns="91425" bIns="91425" anchor="t" anchorCtr="0">
-            <a:noAutofit/>
-          </a:bodyPr>
-          <a:lstStyle/>
-          <a:p>
-            <a:pPr marL="0" lvl="0" indent="0" algn="l" rtl="0">
-              <a:spcBef>
-                <a:spcPts val="0"/>
-              </a:spcBef>
-              <a:spcAft>
-                <a:spcPts val="0"/>
-              </a:spcAft>
-              <a:buClr>
-                <a:schemeClr val="dk1"/>
-              </a:buClr>
-              <a:buSzPts val="1100"/>
-              <a:buFont typeface="Arial"/>
-              <a:buNone/>
-            </a:pPr>
-            <a:r>
-              <a:rPr lang="en">
-                <a:solidFill>
-                  <a:srgbClr val="F3F3F3"/>
-                </a:solidFill>
-              </a:rPr>
-              <a:t>Main Requirements: 3. Load Library for Administrator</a:t>
-            </a:r>
-            <a:endParaRPr>
-              <a:solidFill>
-                <a:srgbClr val="F3F3F3"/>
-              </a:solidFill>
-            </a:endParaRPr>
-          </a:p>
-        </p:txBody>
-      </p:sp>
-      <p:sp>
-        <p:nvSpPr>
-          <p:cNvPr id="119" name="Google Shape;119;p18"/>
-          <p:cNvSpPr txBox="1">
-            <a:spLocks noGrp="1"/>
-          </p:cNvSpPr>
-          <p:nvPr>
-            <p:ph type="body" idx="1"/>
-          </p:nvPr>
-        </p:nvSpPr>
-        <p:spPr>
-          <a:xfrm>
-            <a:off x="311700" y="1307913"/>
-            <a:ext cx="4328400" cy="3416400"/>
-          </a:xfrm>
-          <a:prstGeom prst="rect">
-            <a:avLst/>
-          </a:prstGeom>
-        </p:spPr>
-        <p:txBody>
-          <a:bodyPr spcFirstLastPara="1" wrap="square" lIns="91425" tIns="91425" rIns="91425" bIns="91425" anchor="t" anchorCtr="0">
-            <a:noAutofit/>
-          </a:bodyPr>
-          <a:lstStyle/>
-          <a:p>
-            <a:pPr marL="457200" lvl="0" indent="-311150" algn="l" rtl="0">
-              <a:lnSpc>
-                <a:spcPct val="100000"/>
-              </a:lnSpc>
-              <a:spcBef>
-                <a:spcPts val="0"/>
-              </a:spcBef>
-              <a:spcAft>
-                <a:spcPts val="0"/>
-              </a:spcAft>
-              <a:buClr>
-                <a:srgbClr val="F3F3F3"/>
-              </a:buClr>
-              <a:buSzPts val="1300"/>
-              <a:buChar char="❖"/>
-            </a:pPr>
-            <a:r>
-              <a:rPr lang="en">
-                <a:solidFill>
-                  <a:srgbClr val="F3F3F3"/>
-                </a:solidFill>
-              </a:rPr>
-              <a:t>Gather requirements from admin</a:t>
-            </a:r>
-            <a:endParaRPr>
-              <a:solidFill>
-                <a:srgbClr val="F3F3F3"/>
-              </a:solidFill>
-            </a:endParaRPr>
-          </a:p>
-          <a:p>
-            <a:pPr marL="457200" lvl="0" indent="0" algn="l" rtl="0">
-              <a:lnSpc>
-                <a:spcPct val="100000"/>
-              </a:lnSpc>
-              <a:spcBef>
-                <a:spcPts val="0"/>
-              </a:spcBef>
-              <a:spcAft>
-                <a:spcPts val="0"/>
-              </a:spcAft>
-              <a:buNone/>
-            </a:pPr>
-            <a:endParaRPr>
-              <a:solidFill>
-                <a:srgbClr val="F3F3F3"/>
-              </a:solidFill>
-            </a:endParaRPr>
-          </a:p>
-          <a:p>
-            <a:pPr marL="457200" lvl="0" indent="-311150" algn="l" rtl="0">
-              <a:lnSpc>
-                <a:spcPct val="100000"/>
-              </a:lnSpc>
-              <a:spcBef>
-                <a:spcPts val="0"/>
-              </a:spcBef>
-              <a:spcAft>
-                <a:spcPts val="0"/>
-              </a:spcAft>
-              <a:buClr>
-                <a:srgbClr val="F3F3F3"/>
-              </a:buClr>
-              <a:buSzPts val="1300"/>
-              <a:buChar char="❖"/>
-            </a:pPr>
-            <a:r>
-              <a:rPr lang="en">
-                <a:solidFill>
-                  <a:srgbClr val="F3F3F3"/>
-                </a:solidFill>
-              </a:rPr>
-              <a:t>Scrape the requirements from a list of approved sites</a:t>
-            </a:r>
-            <a:endParaRPr>
-              <a:solidFill>
-                <a:srgbClr val="F3F3F3"/>
-              </a:solidFill>
-            </a:endParaRPr>
-          </a:p>
-          <a:p>
-            <a:pPr marL="457200" lvl="0" indent="0" algn="l" rtl="0">
-              <a:lnSpc>
-                <a:spcPct val="100000"/>
-              </a:lnSpc>
-              <a:spcBef>
-                <a:spcPts val="0"/>
-              </a:spcBef>
-              <a:spcAft>
-                <a:spcPts val="0"/>
-              </a:spcAft>
-              <a:buNone/>
-            </a:pPr>
-            <a:endParaRPr>
-              <a:solidFill>
-                <a:srgbClr val="F3F3F3"/>
-              </a:solidFill>
-            </a:endParaRPr>
-          </a:p>
-          <a:p>
-            <a:pPr marL="457200" lvl="0" indent="-311150" algn="l" rtl="0">
-              <a:lnSpc>
-                <a:spcPct val="100000"/>
-              </a:lnSpc>
-              <a:spcBef>
-                <a:spcPts val="0"/>
-              </a:spcBef>
-              <a:spcAft>
-                <a:spcPts val="0"/>
-              </a:spcAft>
-              <a:buClr>
-                <a:srgbClr val="F3F3F3"/>
-              </a:buClr>
-              <a:buSzPts val="1300"/>
-              <a:buChar char="❖"/>
-            </a:pPr>
-            <a:r>
-              <a:rPr lang="en">
-                <a:solidFill>
-                  <a:srgbClr val="F3F3F3"/>
-                </a:solidFill>
-              </a:rPr>
-              <a:t>Send them to the database an administrator can access</a:t>
-            </a:r>
-            <a:endParaRPr>
-              <a:solidFill>
-                <a:srgbClr val="F3F3F3"/>
-              </a:solidFill>
-            </a:endParaRPr>
-          </a:p>
-          <a:p>
-            <a:pPr marL="457200" lvl="0" indent="0" algn="l" rtl="0">
-              <a:lnSpc>
-                <a:spcPct val="100000"/>
-              </a:lnSpc>
-              <a:spcBef>
-                <a:spcPts val="0"/>
-              </a:spcBef>
-              <a:spcAft>
-                <a:spcPts val="0"/>
-              </a:spcAft>
-              <a:buNone/>
-            </a:pPr>
-            <a:endParaRPr>
-              <a:solidFill>
-                <a:srgbClr val="F3F3F3"/>
-              </a:solidFill>
-            </a:endParaRPr>
-          </a:p>
-          <a:p>
-            <a:pPr marL="457200" lvl="0" indent="-311150" algn="l" rtl="0">
-              <a:lnSpc>
-                <a:spcPct val="100000"/>
-              </a:lnSpc>
-              <a:spcBef>
-                <a:spcPts val="0"/>
-              </a:spcBef>
-              <a:spcAft>
-                <a:spcPts val="0"/>
-              </a:spcAft>
-              <a:buClr>
-                <a:srgbClr val="F3F3F3"/>
-              </a:buClr>
-              <a:buSzPts val="1300"/>
-              <a:buChar char="❖"/>
-            </a:pPr>
-            <a:r>
-              <a:rPr lang="en">
-                <a:solidFill>
-                  <a:srgbClr val="F3F3F3"/>
-                </a:solidFill>
-              </a:rPr>
-              <a:t>Give admin the ability to approve, edit or deny each entry</a:t>
-            </a:r>
-            <a:endParaRPr>
-              <a:solidFill>
-                <a:srgbClr val="F3F3F3"/>
-              </a:solidFill>
-            </a:endParaRPr>
-          </a:p>
-          <a:p>
-            <a:pPr marL="457200" lvl="0" indent="0" algn="l" rtl="0">
-              <a:lnSpc>
-                <a:spcPct val="100000"/>
-              </a:lnSpc>
-              <a:spcBef>
-                <a:spcPts val="0"/>
-              </a:spcBef>
-              <a:spcAft>
-                <a:spcPts val="0"/>
-              </a:spcAft>
-              <a:buNone/>
-            </a:pPr>
-            <a:endParaRPr sz="1100" u="sng">
-              <a:solidFill>
-                <a:srgbClr val="000000"/>
-              </a:solidFill>
-              <a:latin typeface="Arial"/>
-              <a:ea typeface="Arial"/>
-              <a:cs typeface="Arial"/>
-              <a:sym typeface="Arial"/>
-            </a:endParaRPr>
-          </a:p>
-          <a:p>
-            <a:pPr marL="457200" lvl="0" indent="-342900" algn="l" rtl="0">
-              <a:spcBef>
-                <a:spcPts val="1200"/>
-              </a:spcBef>
-              <a:spcAft>
-                <a:spcPts val="0"/>
-              </a:spcAft>
-              <a:buClr>
-                <a:srgbClr val="FFFFFF"/>
-              </a:buClr>
-              <a:buSzPts val="1800"/>
-              <a:buChar char="❖"/>
-            </a:pPr>
-            <a:r>
-              <a:rPr lang="en" sz="1400" u="sng">
-                <a:solidFill>
-                  <a:srgbClr val="FFFFFF"/>
-                </a:solidFill>
-              </a:rPr>
-              <a:t>Value</a:t>
-            </a:r>
-            <a:r>
-              <a:rPr lang="en" sz="1400">
-                <a:solidFill>
-                  <a:srgbClr val="FFFFFF"/>
-                </a:solidFill>
-              </a:rPr>
-              <a:t>: This will provide the administrator with the definitions they want to see on the site. It will also automate and speed up the process of loading the library.</a:t>
-            </a:r>
-            <a:endParaRPr sz="1400">
-              <a:solidFill>
-                <a:srgbClr val="FFFFFF"/>
-              </a:solidFill>
-            </a:endParaRPr>
-          </a:p>
-          <a:p>
-            <a:pPr marL="457200" lvl="0" indent="0" algn="l" rtl="0">
-              <a:lnSpc>
-                <a:spcPct val="100000"/>
-              </a:lnSpc>
-              <a:spcBef>
-                <a:spcPts val="1200"/>
-              </a:spcBef>
-              <a:spcAft>
-                <a:spcPts val="0"/>
-              </a:spcAft>
-              <a:buNone/>
-            </a:pPr>
-            <a:endParaRPr u="sng">
-              <a:solidFill>
-                <a:srgbClr val="FFFFFF"/>
-              </a:solidFill>
-            </a:endParaRPr>
-          </a:p>
-          <a:p>
-            <a:pPr marL="457200" lvl="0" indent="0" algn="l" rtl="0">
-              <a:lnSpc>
-                <a:spcPct val="100000"/>
-              </a:lnSpc>
-              <a:spcBef>
-                <a:spcPts val="0"/>
-              </a:spcBef>
-              <a:spcAft>
-                <a:spcPts val="0"/>
-              </a:spcAft>
-              <a:buNone/>
-            </a:pPr>
-            <a:endParaRPr>
-              <a:solidFill>
-                <a:srgbClr val="F3F3F3"/>
-              </a:solidFill>
-            </a:endParaRPr>
-          </a:p>
-        </p:txBody>
-      </p:sp>
-      <p:pic>
-        <p:nvPicPr>
-          <p:cNvPr id="120" name="Google Shape;120;p18"/>
-          <p:cNvPicPr preferRelativeResize="0"/>
-          <p:nvPr/>
-        </p:nvPicPr>
-        <p:blipFill>
-          <a:blip r:embed="rId3">
-            <a:alphaModFix/>
-          </a:blip>
-          <a:stretch>
-            <a:fillRect/>
-          </a:stretch>
-        </p:blipFill>
-        <p:spPr>
-          <a:xfrm>
-            <a:off x="6413450" y="943988"/>
-            <a:ext cx="2449975" cy="4144274"/>
-          </a:xfrm>
-          <a:prstGeom prst="rect">
-            <a:avLst/>
-          </a:prstGeom>
-          <a:noFill/>
-          <a:ln>
-            <a:noFill/>
-          </a:ln>
-        </p:spPr>
-      </p:pic>
-    </p:spTree>
-  </p:cSld>
-  <p:clrMapOvr>
-    <a:masterClrMapping/>
-  </p:clrMapOvr>
-</p:sld>
-</file>
-
-<file path=ppt/slides/slide7.xml><?xml version="1.0" encoding="utf-8"?>
-<p:sld xmlns:a="http://schemas.openxmlformats.org/drawingml/2006/main" xmlns:r="http://schemas.openxmlformats.org/officeDocument/2006/relationships" xmlns:p="http://schemas.openxmlformats.org/presentationml/2006/main">
-  <p:cSld>
-    <p:spTree>
-      <p:nvGrpSpPr>
-        <p:cNvPr id="1" name="Shape 124"/>
-        <p:cNvGrpSpPr/>
-        <p:nvPr/>
-      </p:nvGrpSpPr>
-      <p:grpSpPr>
-        <a:xfrm>
-          <a:off x="0" y="0"/>
-          <a:ext cx="0" cy="0"/>
-          <a:chOff x="0" y="0"/>
-          <a:chExt cx="0" cy="0"/>
-        </a:xfrm>
-      </p:grpSpPr>
-      <p:sp>
-        <p:nvSpPr>
-          <p:cNvPr id="125" name="Google Shape;125;p19"/>
-          <p:cNvSpPr txBox="1">
-            <a:spLocks noGrp="1"/>
-          </p:cNvSpPr>
-          <p:nvPr>
-            <p:ph type="title"/>
-          </p:nvPr>
-        </p:nvSpPr>
-        <p:spPr>
-          <a:xfrm>
-            <a:off x="729450" y="536325"/>
-            <a:ext cx="7688700" cy="535200"/>
-          </a:xfrm>
-          <a:prstGeom prst="rect">
-            <a:avLst/>
-          </a:prstGeom>
-        </p:spPr>
-        <p:txBody>
-          <a:bodyPr spcFirstLastPara="1" wrap="square" lIns="91425" tIns="91425" rIns="91425" bIns="91425" anchor="t" anchorCtr="0">
-            <a:noAutofit/>
-          </a:bodyPr>
-          <a:lstStyle/>
-          <a:p>
-            <a:pPr marL="0" lvl="0" indent="0" algn="l" rtl="0">
-              <a:spcBef>
-                <a:spcPts val="0"/>
-              </a:spcBef>
-              <a:spcAft>
-                <a:spcPts val="0"/>
-              </a:spcAft>
-              <a:buClr>
-                <a:schemeClr val="dk1"/>
-              </a:buClr>
-              <a:buSzPts val="1100"/>
-              <a:buFont typeface="Arial"/>
-              <a:buNone/>
-            </a:pPr>
-            <a:r>
-              <a:rPr lang="en">
-                <a:solidFill>
-                  <a:srgbClr val="F3F3F3"/>
-                </a:solidFill>
-              </a:rPr>
-              <a:t>Main Requirements: 4. Usage Metric Dashboard</a:t>
-            </a:r>
-            <a:endParaRPr>
-              <a:solidFill>
-                <a:srgbClr val="F3F3F3"/>
-              </a:solidFill>
-            </a:endParaRPr>
-          </a:p>
-        </p:txBody>
-      </p:sp>
-      <p:sp>
-        <p:nvSpPr>
-          <p:cNvPr id="126" name="Google Shape;126;p19"/>
-          <p:cNvSpPr txBox="1">
-            <a:spLocks noGrp="1"/>
-          </p:cNvSpPr>
-          <p:nvPr>
-            <p:ph type="body" idx="1"/>
-          </p:nvPr>
-        </p:nvSpPr>
-        <p:spPr>
-          <a:xfrm>
-            <a:off x="342800" y="1251575"/>
-            <a:ext cx="7688700" cy="2261100"/>
-          </a:xfrm>
-          <a:prstGeom prst="rect">
-            <a:avLst/>
-          </a:prstGeom>
-        </p:spPr>
-        <p:txBody>
-          <a:bodyPr spcFirstLastPara="1" wrap="square" lIns="91425" tIns="91425" rIns="91425" bIns="91425" anchor="t" anchorCtr="0">
-            <a:noAutofit/>
-          </a:bodyPr>
-          <a:lstStyle/>
-          <a:p>
-            <a:pPr marL="457200" lvl="0" indent="-311150" algn="l" rtl="0">
-              <a:spcBef>
-                <a:spcPts val="0"/>
-              </a:spcBef>
-              <a:spcAft>
-                <a:spcPts val="0"/>
-              </a:spcAft>
-              <a:buClr>
-                <a:srgbClr val="F3F3F3"/>
-              </a:buClr>
-              <a:buSzPts val="1300"/>
-              <a:buChar char="❖"/>
-            </a:pPr>
-            <a:r>
-              <a:rPr lang="en">
-                <a:solidFill>
-                  <a:srgbClr val="F3F3F3"/>
-                </a:solidFill>
-              </a:rPr>
-              <a:t>Admin can view how many times each word was searched via a dashboard</a:t>
-            </a:r>
-            <a:endParaRPr>
-              <a:solidFill>
-                <a:srgbClr val="F3F3F3"/>
-              </a:solidFill>
-            </a:endParaRPr>
-          </a:p>
-          <a:p>
-            <a:pPr marL="457200" lvl="0" indent="-323850" algn="l" rtl="0">
-              <a:spcBef>
-                <a:spcPts val="0"/>
-              </a:spcBef>
-              <a:spcAft>
-                <a:spcPts val="0"/>
-              </a:spcAft>
-              <a:buClr>
-                <a:srgbClr val="FFFFFF"/>
-              </a:buClr>
-              <a:buSzPts val="1500"/>
-              <a:buChar char="❖"/>
-            </a:pPr>
-            <a:r>
-              <a:rPr lang="en" u="sng">
-                <a:solidFill>
-                  <a:srgbClr val="FFFFFF"/>
-                </a:solidFill>
-              </a:rPr>
-              <a:t>Value</a:t>
-            </a:r>
-            <a:r>
-              <a:rPr lang="en">
-                <a:solidFill>
-                  <a:srgbClr val="FFFFFF"/>
-                </a:solidFill>
-              </a:rPr>
-              <a:t>: To gain quantitative feedback on how the site is performing.</a:t>
-            </a:r>
-            <a:endParaRPr>
-              <a:solidFill>
-                <a:srgbClr val="FFFFFF"/>
-              </a:solidFill>
-            </a:endParaRPr>
-          </a:p>
-          <a:p>
-            <a:pPr marL="457200" lvl="0" indent="0" algn="l" rtl="0">
-              <a:spcBef>
-                <a:spcPts val="1200"/>
-              </a:spcBef>
-              <a:spcAft>
-                <a:spcPts val="1600"/>
-              </a:spcAft>
-              <a:buNone/>
-            </a:pPr>
-            <a:endParaRPr>
-              <a:solidFill>
-                <a:srgbClr val="F3F3F3"/>
-              </a:solidFill>
-            </a:endParaRPr>
-          </a:p>
-        </p:txBody>
-      </p:sp>
-      <p:pic>
-        <p:nvPicPr>
-          <p:cNvPr id="127" name="Google Shape;127;p19"/>
-          <p:cNvPicPr preferRelativeResize="0"/>
-          <p:nvPr/>
-        </p:nvPicPr>
-        <p:blipFill>
-          <a:blip r:embed="rId3">
-            <a:alphaModFix/>
-          </a:blip>
-          <a:stretch>
-            <a:fillRect/>
-          </a:stretch>
-        </p:blipFill>
-        <p:spPr>
-          <a:xfrm>
-            <a:off x="922575" y="1937801"/>
-            <a:ext cx="7495574" cy="3112777"/>
-          </a:xfrm>
-          <a:prstGeom prst="rect">
-            <a:avLst/>
-          </a:prstGeom>
-          <a:noFill/>
-          <a:ln>
-            <a:noFill/>
-          </a:ln>
-        </p:spPr>
-      </p:pic>
-    </p:spTree>
-  </p:cSld>
-  <p:clrMapOvr>
-    <a:masterClrMapping/>
-  </p:clrMapOvr>
-</p:sld>
-</file>
-
-<file path=ppt/slides/slide8.xml><?xml version="1.0" encoding="utf-8"?>
-<p:sld xmlns:a="http://schemas.openxmlformats.org/drawingml/2006/main" xmlns:r="http://schemas.openxmlformats.org/officeDocument/2006/relationships" xmlns:p="http://schemas.openxmlformats.org/presentationml/2006/main">
-  <p:cSld>
-    <p:spTree>
-      <p:nvGrpSpPr>
-        <p:cNvPr id="1" name="Shape 131"/>
-        <p:cNvGrpSpPr/>
-        <p:nvPr/>
-      </p:nvGrpSpPr>
-      <p:grpSpPr>
-        <a:xfrm>
-          <a:off x="0" y="0"/>
-          <a:ext cx="0" cy="0"/>
-          <a:chOff x="0" y="0"/>
-          <a:chExt cx="0" cy="0"/>
-        </a:xfrm>
-      </p:grpSpPr>
-      <p:sp>
-        <p:nvSpPr>
-          <p:cNvPr id="132" name="Google Shape;132;p20"/>
-          <p:cNvSpPr txBox="1">
-            <a:spLocks noGrp="1"/>
-          </p:cNvSpPr>
-          <p:nvPr>
-            <p:ph type="title"/>
-          </p:nvPr>
-        </p:nvSpPr>
-        <p:spPr>
-          <a:xfrm>
-            <a:off x="727650" y="563300"/>
-            <a:ext cx="7688700" cy="535200"/>
-          </a:xfrm>
-          <a:prstGeom prst="rect">
-            <a:avLst/>
-          </a:prstGeom>
-        </p:spPr>
-        <p:txBody>
-          <a:bodyPr spcFirstLastPara="1" wrap="square" lIns="91425" tIns="91425" rIns="91425" bIns="91425" anchor="t" anchorCtr="0">
-            <a:noAutofit/>
-          </a:bodyPr>
-          <a:lstStyle/>
-          <a:p>
-            <a:pPr marL="0" lvl="0" indent="0" algn="l" rtl="0">
-              <a:spcBef>
-                <a:spcPts val="0"/>
-              </a:spcBef>
-              <a:spcAft>
-                <a:spcPts val="0"/>
-              </a:spcAft>
-              <a:buNone/>
-            </a:pPr>
-            <a:r>
-              <a:rPr lang="en">
-                <a:solidFill>
-                  <a:srgbClr val="F3F3F3"/>
-                </a:solidFill>
-              </a:rPr>
-              <a:t>Database ERD</a:t>
-            </a:r>
-            <a:endParaRPr>
-              <a:solidFill>
-                <a:srgbClr val="F3F3F3"/>
-              </a:solidFill>
-            </a:endParaRPr>
-          </a:p>
-        </p:txBody>
-      </p:sp>
-      <p:sp>
-        <p:nvSpPr>
-          <p:cNvPr id="133" name="Google Shape;133;p20"/>
-          <p:cNvSpPr txBox="1">
-            <a:spLocks noGrp="1"/>
-          </p:cNvSpPr>
-          <p:nvPr>
-            <p:ph type="body" idx="1"/>
-          </p:nvPr>
-        </p:nvSpPr>
-        <p:spPr>
-          <a:xfrm>
-            <a:off x="491550" y="1332300"/>
-            <a:ext cx="4474500" cy="3416400"/>
-          </a:xfrm>
-          <a:prstGeom prst="rect">
-            <a:avLst/>
-          </a:prstGeom>
-        </p:spPr>
-        <p:txBody>
-          <a:bodyPr spcFirstLastPara="1" wrap="square" lIns="91425" tIns="91425" rIns="91425" bIns="91425" anchor="t" anchorCtr="0">
-            <a:noAutofit/>
-          </a:bodyPr>
-          <a:lstStyle/>
-          <a:p>
-            <a:pPr marL="457200" lvl="0" indent="-311150" algn="l" rtl="0">
-              <a:spcBef>
-                <a:spcPts val="0"/>
-              </a:spcBef>
-              <a:spcAft>
-                <a:spcPts val="0"/>
-              </a:spcAft>
-              <a:buClr>
-                <a:srgbClr val="F3F3F3"/>
-              </a:buClr>
-              <a:buSzPts val="1300"/>
-              <a:buChar char="❖"/>
-            </a:pPr>
-            <a:r>
-              <a:rPr lang="en">
-                <a:solidFill>
-                  <a:srgbClr val="F3F3F3"/>
-                </a:solidFill>
-              </a:rPr>
-              <a:t>Each word is a part of a category (Cloud Computing, CIA, etc)</a:t>
-            </a:r>
-            <a:endParaRPr>
-              <a:solidFill>
-                <a:srgbClr val="F3F3F3"/>
-              </a:solidFill>
-            </a:endParaRPr>
-          </a:p>
-          <a:p>
-            <a:pPr marL="457200" lvl="0" indent="-311150" algn="l" rtl="0">
-              <a:spcBef>
-                <a:spcPts val="0"/>
-              </a:spcBef>
-              <a:spcAft>
-                <a:spcPts val="0"/>
-              </a:spcAft>
-              <a:buClr>
-                <a:srgbClr val="F3F3F3"/>
-              </a:buClr>
-              <a:buSzPts val="1300"/>
-              <a:buChar char="❖"/>
-            </a:pPr>
-            <a:r>
-              <a:rPr lang="en">
-                <a:solidFill>
-                  <a:srgbClr val="F3F3F3"/>
-                </a:solidFill>
-              </a:rPr>
-              <a:t>Each word has attributes</a:t>
-            </a:r>
-            <a:endParaRPr>
-              <a:solidFill>
-                <a:srgbClr val="F3F3F3"/>
-              </a:solidFill>
-            </a:endParaRPr>
-          </a:p>
-          <a:p>
-            <a:pPr marL="457200" lvl="0" indent="-311150" algn="l" rtl="0">
-              <a:spcBef>
-                <a:spcPts val="0"/>
-              </a:spcBef>
-              <a:spcAft>
-                <a:spcPts val="0"/>
-              </a:spcAft>
-              <a:buClr>
-                <a:srgbClr val="F3F3F3"/>
-              </a:buClr>
-              <a:buSzPts val="1300"/>
-              <a:buChar char="❖"/>
-            </a:pPr>
-            <a:r>
-              <a:rPr lang="en">
-                <a:solidFill>
-                  <a:srgbClr val="F3F3F3"/>
-                </a:solidFill>
-              </a:rPr>
-              <a:t>Also each has a reference type</a:t>
-            </a:r>
-            <a:endParaRPr>
-              <a:solidFill>
-                <a:srgbClr val="F3F3F3"/>
-              </a:solidFill>
-            </a:endParaRPr>
-          </a:p>
-        </p:txBody>
-      </p:sp>
-      <p:pic>
-        <p:nvPicPr>
-          <p:cNvPr id="134" name="Google Shape;134;p20"/>
-          <p:cNvPicPr preferRelativeResize="0"/>
-          <p:nvPr/>
-        </p:nvPicPr>
-        <p:blipFill>
-          <a:blip r:embed="rId3">
-            <a:alphaModFix/>
-          </a:blip>
-          <a:stretch>
-            <a:fillRect/>
-          </a:stretch>
-        </p:blipFill>
-        <p:spPr>
-          <a:xfrm>
-            <a:off x="5255525" y="0"/>
-            <a:ext cx="3888476" cy="5143500"/>
-          </a:xfrm>
-          <a:prstGeom prst="rect">
-            <a:avLst/>
-          </a:prstGeom>
-          <a:noFill/>
-          <a:ln>
-            <a:noFill/>
-          </a:ln>
-        </p:spPr>
-      </p:pic>
-    </p:spTree>
-  </p:cSld>
-  <p:clrMapOvr>
-    <a:masterClrMapping/>
-  </p:clrMapOvr>
-</p:sld>
-</file>
-
-<file path=ppt/slides/slide9.xml><?xml version="1.0" encoding="utf-8"?>
-<p:sld xmlns:a="http://schemas.openxmlformats.org/drawingml/2006/main" xmlns:r="http://schemas.openxmlformats.org/officeDocument/2006/relationships" xmlns:p="http://schemas.openxmlformats.org/presentationml/2006/main">
-  <p:cSld>
-    <p:spTree>
-      <p:nvGrpSpPr>
-        <p:cNvPr id="1" name="Shape 138"/>
-        <p:cNvGrpSpPr/>
-        <p:nvPr/>
-      </p:nvGrpSpPr>
-      <p:grpSpPr>
-        <a:xfrm>
-          <a:off x="0" y="0"/>
-          <a:ext cx="0" cy="0"/>
-          <a:chOff x="0" y="0"/>
-          <a:chExt cx="0" cy="0"/>
-        </a:xfrm>
-      </p:grpSpPr>
-      <p:sp>
-        <p:nvSpPr>
-          <p:cNvPr id="139" name="Google Shape;139;p21"/>
-          <p:cNvSpPr txBox="1">
-            <a:spLocks noGrp="1"/>
-          </p:cNvSpPr>
-          <p:nvPr>
-            <p:ph type="title"/>
-          </p:nvPr>
-        </p:nvSpPr>
-        <p:spPr>
-          <a:xfrm>
-            <a:off x="311700" y="1734850"/>
-            <a:ext cx="8520600" cy="572700"/>
-          </a:xfrm>
-          <a:prstGeom prst="rect">
-            <a:avLst/>
-          </a:prstGeom>
-        </p:spPr>
-        <p:txBody>
-          <a:bodyPr spcFirstLastPara="1" wrap="square" lIns="91425" tIns="91425" rIns="91425" bIns="91425" anchor="t" anchorCtr="0">
-            <a:noAutofit/>
-          </a:bodyPr>
-          <a:lstStyle/>
-          <a:p>
-            <a:pPr marL="0" lvl="0" indent="0" algn="ctr" rtl="0">
-              <a:spcBef>
-                <a:spcPts val="0"/>
-              </a:spcBef>
-              <a:spcAft>
-                <a:spcPts val="0"/>
-              </a:spcAft>
-              <a:buClr>
-                <a:schemeClr val="dk1"/>
-              </a:buClr>
-              <a:buSzPts val="1100"/>
-              <a:buFont typeface="Arial"/>
-              <a:buNone/>
-            </a:pPr>
-            <a:r>
-              <a:rPr lang="en" sz="5200">
-                <a:solidFill>
-                  <a:srgbClr val="F3F3F3"/>
-                </a:solidFill>
-              </a:rPr>
-              <a:t>Interface</a:t>
-            </a:r>
-            <a:endParaRPr sz="5200">
+            <a:endParaRPr dirty="0">
               <a:solidFill>
                 <a:srgbClr val="F3F3F3"/>
               </a:solidFill>
